--- a/Jetpack.pptx
+++ b/Jetpack.pptx
@@ -6,20 +6,24 @@
   </p:sldMasterIdLst>
   <p:sldIdLst>
     <p:sldId id="256" r:id="rId2"/>
-    <p:sldId id="258" r:id="rId3"/>
-    <p:sldId id="257" r:id="rId4"/>
-    <p:sldId id="260" r:id="rId5"/>
-    <p:sldId id="259" r:id="rId6"/>
-    <p:sldId id="261" r:id="rId7"/>
-    <p:sldId id="262" r:id="rId8"/>
-    <p:sldId id="263" r:id="rId9"/>
-    <p:sldId id="264" r:id="rId10"/>
-    <p:sldId id="265" r:id="rId11"/>
-    <p:sldId id="266" r:id="rId12"/>
-    <p:sldId id="267" r:id="rId13"/>
-    <p:sldId id="268" r:id="rId14"/>
-    <p:sldId id="269" r:id="rId15"/>
-    <p:sldId id="270" r:id="rId16"/>
+    <p:sldId id="273" r:id="rId3"/>
+    <p:sldId id="258" r:id="rId4"/>
+    <p:sldId id="257" r:id="rId5"/>
+    <p:sldId id="274" r:id="rId6"/>
+    <p:sldId id="260" r:id="rId7"/>
+    <p:sldId id="259" r:id="rId8"/>
+    <p:sldId id="261" r:id="rId9"/>
+    <p:sldId id="272" r:id="rId10"/>
+    <p:sldId id="262" r:id="rId11"/>
+    <p:sldId id="263" r:id="rId12"/>
+    <p:sldId id="264" r:id="rId13"/>
+    <p:sldId id="265" r:id="rId14"/>
+    <p:sldId id="266" r:id="rId15"/>
+    <p:sldId id="275" r:id="rId16"/>
+    <p:sldId id="267" r:id="rId17"/>
+    <p:sldId id="268" r:id="rId18"/>
+    <p:sldId id="269" r:id="rId19"/>
+    <p:sldId id="270" r:id="rId20"/>
   </p:sldIdLst>
   <p:sldSz cx="12192000" cy="6858000"/>
   <p:notesSz cx="6858000" cy="9144000"/>
@@ -7727,7 +7731,7 @@
           <p:cNvPr id="2" name="Title 1">
             <a:extLst>
               <a:ext uri="{FF2B5EF4-FFF2-40B4-BE49-F238E27FC236}">
-                <a16:creationId xmlns:a16="http://schemas.microsoft.com/office/drawing/2014/main" id="{889DA2CE-3BBD-5E45-9E4D-ADEF9F6FA320}"/>
+                <a16:creationId xmlns:a16="http://schemas.microsoft.com/office/drawing/2014/main" id="{BC877A11-5327-DC4F-9770-E0A3051D8E6E}"/>
               </a:ext>
             </a:extLst>
           </p:cNvPr>
@@ -7740,45 +7744,13 @@
         </p:nvSpPr>
         <p:spPr/>
         <p:txBody>
-          <a:bodyPr>
-            <a:normAutofit fontScale="90000"/>
-          </a:bodyPr>
-          <a:lstStyle/>
-          <a:p>
-            <a:r>
-              <a:rPr lang="en-US" dirty="0"/>
-              <a:t>What if UI could observe </a:t>
-            </a:r>
-            <a:r>
-              <a:rPr lang="en-US" dirty="0" err="1"/>
-              <a:t>localDB</a:t>
-            </a:r>
-            <a:r>
-              <a:rPr lang="en-US" dirty="0"/>
-              <a:t>?</a:t>
-            </a:r>
-            <a:br>
-              <a:rPr lang="en-US" dirty="0"/>
-            </a:br>
-            <a:br>
-              <a:rPr lang="en-US" dirty="0"/>
-            </a:br>
-            <a:r>
-              <a:rPr lang="en-US" dirty="0"/>
-              <a:t>Can UI be updated whenever there is a change in </a:t>
-            </a:r>
-            <a:r>
-              <a:rPr lang="en-US" dirty="0" err="1"/>
-              <a:t>localDB</a:t>
-            </a:r>
-            <a:r>
-              <a:rPr lang="en-US" dirty="0"/>
-              <a:t>?</a:t>
-            </a:r>
-            <a:br>
-              <a:rPr lang="en-US" dirty="0"/>
-            </a:br>
-            <a:endParaRPr lang="en-US" dirty="0"/>
+          <a:bodyPr/>
+          <a:lstStyle/>
+          <a:p>
+            <a:r>
+              <a:rPr lang="en-US" dirty="0"/>
+              <a:t>Everything alright?</a:t>
+            </a:r>
           </a:p>
         </p:txBody>
       </p:sp>
@@ -7787,7 +7759,7 @@
           <p:cNvPr id="3" name="Content Placeholder 2">
             <a:extLst>
               <a:ext uri="{FF2B5EF4-FFF2-40B4-BE49-F238E27FC236}">
-                <a16:creationId xmlns:a16="http://schemas.microsoft.com/office/drawing/2014/main" id="{A2CA576C-2B88-D84A-8057-752A1DA1B26C}"/>
+                <a16:creationId xmlns:a16="http://schemas.microsoft.com/office/drawing/2014/main" id="{223FB0E9-C6FF-2A42-AFA3-42037BDBFA3E}"/>
               </a:ext>
             </a:extLst>
           </p:cNvPr>
@@ -7803,9 +7775,48 @@
           <a:bodyPr/>
           <a:lstStyle/>
           <a:p>
-            <a:endParaRPr lang="en-US" dirty="0"/>
-          </a:p>
-          <a:p>
+            <a:r>
+              <a:rPr lang="en-US" dirty="0"/>
+              <a:t>Why should </a:t>
+            </a:r>
+            <a:r>
+              <a:rPr lang="en-US" dirty="0" err="1"/>
+              <a:t>viewModel</a:t>
+            </a:r>
+            <a:r>
+              <a:rPr lang="en-US" dirty="0"/>
+              <a:t> have to decide whether to call API or </a:t>
+            </a:r>
+            <a:r>
+              <a:rPr lang="en-US" dirty="0" err="1"/>
+              <a:t>localDB</a:t>
+            </a:r>
+            <a:r>
+              <a:rPr lang="en-US" dirty="0"/>
+              <a:t> and also parse JSON response ?</a:t>
+            </a:r>
+          </a:p>
+          <a:p>
+            <a:endParaRPr lang="en-US" dirty="0"/>
+          </a:p>
+          <a:p>
+            <a:r>
+              <a:rPr lang="en-US" dirty="0"/>
+              <a:t>What if we had a simple interface to get the data? – </a:t>
+            </a:r>
+            <a:r>
+              <a:rPr lang="en-US" dirty="0" err="1"/>
+              <a:t>UsersRepository</a:t>
+            </a:r>
+            <a:endParaRPr lang="en-US" dirty="0"/>
+          </a:p>
+          <a:p>
+            <a:endParaRPr lang="en-US" dirty="0"/>
+          </a:p>
+          <a:p>
+            <a:pPr marL="0" indent="0">
+              <a:buNone/>
+            </a:pPr>
             <a:endParaRPr lang="en-US" dirty="0"/>
           </a:p>
         </p:txBody>
@@ -7813,7 +7824,7 @@
     </p:spTree>
     <p:extLst>
       <p:ext uri="{BB962C8B-B14F-4D97-AF65-F5344CB8AC3E}">
-        <p14:creationId xmlns:p14="http://schemas.microsoft.com/office/powerpoint/2010/main" val="4088465359"/>
+        <p14:creationId xmlns:p14="http://schemas.microsoft.com/office/powerpoint/2010/main" val="645437016"/>
       </p:ext>
     </p:extLst>
   </p:cSld>
@@ -7845,6 +7856,762 @@
           <p:cNvPr id="2" name="Title 1">
             <a:extLst>
               <a:ext uri="{FF2B5EF4-FFF2-40B4-BE49-F238E27FC236}">
+                <a16:creationId xmlns:a16="http://schemas.microsoft.com/office/drawing/2014/main" id="{2C114641-B884-7B47-80CA-44F5F1ACA03B}"/>
+              </a:ext>
+            </a:extLst>
+          </p:cNvPr>
+          <p:cNvSpPr>
+            <a:spLocks noGrp="1"/>
+          </p:cNvSpPr>
+          <p:nvPr>
+            <p:ph type="title"/>
+          </p:nvPr>
+        </p:nvSpPr>
+        <p:spPr/>
+        <p:txBody>
+          <a:bodyPr/>
+          <a:lstStyle/>
+          <a:p>
+            <a:r>
+              <a:rPr lang="en-US" dirty="0"/>
+              <a:t>Do we really need a Repository class ?</a:t>
+            </a:r>
+          </a:p>
+        </p:txBody>
+      </p:sp>
+      <p:sp>
+        <p:nvSpPr>
+          <p:cNvPr id="3" name="Content Placeholder 2">
+            <a:extLst>
+              <a:ext uri="{FF2B5EF4-FFF2-40B4-BE49-F238E27FC236}">
+                <a16:creationId xmlns:a16="http://schemas.microsoft.com/office/drawing/2014/main" id="{8BE7555C-7B18-DE4F-B2BF-B00A484745EF}"/>
+              </a:ext>
+            </a:extLst>
+          </p:cNvPr>
+          <p:cNvSpPr>
+            <a:spLocks noGrp="1"/>
+          </p:cNvSpPr>
+          <p:nvPr>
+            <p:ph idx="1"/>
+          </p:nvPr>
+        </p:nvSpPr>
+        <p:spPr/>
+        <p:txBody>
+          <a:bodyPr/>
+          <a:lstStyle/>
+          <a:p>
+            <a:r>
+              <a:rPr lang="en-US" dirty="0"/>
+              <a:t>All </a:t>
+            </a:r>
+            <a:r>
+              <a:rPr lang="en-US" dirty="0" err="1"/>
+              <a:t>viewModels</a:t>
+            </a:r>
+            <a:r>
+              <a:rPr lang="en-US" dirty="0"/>
+              <a:t> can delegate getting data and parsing response to repository class</a:t>
+            </a:r>
+          </a:p>
+        </p:txBody>
+      </p:sp>
+      <p:sp>
+        <p:nvSpPr>
+          <p:cNvPr id="4" name="TextBox 3">
+            <a:extLst>
+              <a:ext uri="{FF2B5EF4-FFF2-40B4-BE49-F238E27FC236}">
+                <a16:creationId xmlns:a16="http://schemas.microsoft.com/office/drawing/2014/main" id="{B50D196C-4456-2942-89A3-2F2E7EE47295}"/>
+              </a:ext>
+            </a:extLst>
+          </p:cNvPr>
+          <p:cNvSpPr txBox="1"/>
+          <p:nvPr/>
+        </p:nvSpPr>
+        <p:spPr>
+          <a:xfrm>
+            <a:off x="3257550" y="3223260"/>
+            <a:ext cx="1789272" cy="369332"/>
+          </a:xfrm>
+          <a:prstGeom prst="rect">
+            <a:avLst/>
+          </a:prstGeom>
+          <a:noFill/>
+        </p:spPr>
+        <p:txBody>
+          <a:bodyPr wrap="none" rtlCol="0">
+            <a:spAutoFit/>
+          </a:bodyPr>
+          <a:lstStyle/>
+          <a:p>
+            <a:r>
+              <a:rPr lang="en-US" dirty="0" err="1"/>
+              <a:t>UserListActivity</a:t>
+            </a:r>
+            <a:endParaRPr lang="en-US" dirty="0"/>
+          </a:p>
+        </p:txBody>
+      </p:sp>
+      <p:sp>
+        <p:nvSpPr>
+          <p:cNvPr id="5" name="TextBox 4">
+            <a:extLst>
+              <a:ext uri="{FF2B5EF4-FFF2-40B4-BE49-F238E27FC236}">
+                <a16:creationId xmlns:a16="http://schemas.microsoft.com/office/drawing/2014/main" id="{2A78B625-304F-5647-A0E5-A09CF6B22FC5}"/>
+              </a:ext>
+            </a:extLst>
+          </p:cNvPr>
+          <p:cNvSpPr txBox="1"/>
+          <p:nvPr/>
+        </p:nvSpPr>
+        <p:spPr>
+          <a:xfrm>
+            <a:off x="3143250" y="4019312"/>
+            <a:ext cx="2236510" cy="369332"/>
+          </a:xfrm>
+          <a:prstGeom prst="rect">
+            <a:avLst/>
+          </a:prstGeom>
+          <a:noFill/>
+        </p:spPr>
+        <p:txBody>
+          <a:bodyPr wrap="none" rtlCol="0">
+            <a:spAutoFit/>
+          </a:bodyPr>
+          <a:lstStyle/>
+          <a:p>
+            <a:r>
+              <a:rPr lang="en-US" dirty="0" err="1"/>
+              <a:t>UserListViewModel</a:t>
+            </a:r>
+            <a:endParaRPr lang="en-US" dirty="0"/>
+          </a:p>
+        </p:txBody>
+      </p:sp>
+      <p:sp>
+        <p:nvSpPr>
+          <p:cNvPr id="6" name="TextBox 5">
+            <a:extLst>
+              <a:ext uri="{FF2B5EF4-FFF2-40B4-BE49-F238E27FC236}">
+                <a16:creationId xmlns:a16="http://schemas.microsoft.com/office/drawing/2014/main" id="{AF253D6B-0A81-E248-BED4-C4CC6915C30C}"/>
+              </a:ext>
+            </a:extLst>
+          </p:cNvPr>
+          <p:cNvSpPr txBox="1"/>
+          <p:nvPr/>
+        </p:nvSpPr>
+        <p:spPr>
+          <a:xfrm>
+            <a:off x="8103870" y="3223260"/>
+            <a:ext cx="2117887" cy="369332"/>
+          </a:xfrm>
+          <a:prstGeom prst="rect">
+            <a:avLst/>
+          </a:prstGeom>
+          <a:noFill/>
+        </p:spPr>
+        <p:txBody>
+          <a:bodyPr wrap="none" rtlCol="0">
+            <a:spAutoFit/>
+          </a:bodyPr>
+          <a:lstStyle/>
+          <a:p>
+            <a:r>
+              <a:rPr lang="en-US" dirty="0" err="1"/>
+              <a:t>UserDetailActivity</a:t>
+            </a:r>
+            <a:endParaRPr lang="en-US" dirty="0"/>
+          </a:p>
+        </p:txBody>
+      </p:sp>
+      <p:sp>
+        <p:nvSpPr>
+          <p:cNvPr id="7" name="TextBox 6">
+            <a:extLst>
+              <a:ext uri="{FF2B5EF4-FFF2-40B4-BE49-F238E27FC236}">
+                <a16:creationId xmlns:a16="http://schemas.microsoft.com/office/drawing/2014/main" id="{BB685987-46E8-494E-AC06-35B803F3D184}"/>
+              </a:ext>
+            </a:extLst>
+          </p:cNvPr>
+          <p:cNvSpPr txBox="1"/>
+          <p:nvPr/>
+        </p:nvSpPr>
+        <p:spPr>
+          <a:xfrm>
+            <a:off x="7880250" y="4019312"/>
+            <a:ext cx="2565126" cy="369332"/>
+          </a:xfrm>
+          <a:prstGeom prst="rect">
+            <a:avLst/>
+          </a:prstGeom>
+          <a:noFill/>
+        </p:spPr>
+        <p:txBody>
+          <a:bodyPr wrap="none" rtlCol="0">
+            <a:spAutoFit/>
+          </a:bodyPr>
+          <a:lstStyle/>
+          <a:p>
+            <a:r>
+              <a:rPr lang="en-US" dirty="0" err="1"/>
+              <a:t>UserDetailViewModel</a:t>
+            </a:r>
+            <a:endParaRPr lang="en-US" dirty="0"/>
+          </a:p>
+        </p:txBody>
+      </p:sp>
+      <p:sp>
+        <p:nvSpPr>
+          <p:cNvPr id="8" name="TextBox 7">
+            <a:extLst>
+              <a:ext uri="{FF2B5EF4-FFF2-40B4-BE49-F238E27FC236}">
+                <a16:creationId xmlns:a16="http://schemas.microsoft.com/office/drawing/2014/main" id="{5D8193D8-C37B-284A-B1EC-FA196C493368}"/>
+              </a:ext>
+            </a:extLst>
+          </p:cNvPr>
+          <p:cNvSpPr txBox="1"/>
+          <p:nvPr/>
+        </p:nvSpPr>
+        <p:spPr>
+          <a:xfrm>
+            <a:off x="5749290" y="5252092"/>
+            <a:ext cx="1890261" cy="369332"/>
+          </a:xfrm>
+          <a:prstGeom prst="rect">
+            <a:avLst/>
+          </a:prstGeom>
+          <a:noFill/>
+        </p:spPr>
+        <p:txBody>
+          <a:bodyPr wrap="none" rtlCol="0">
+            <a:spAutoFit/>
+          </a:bodyPr>
+          <a:lstStyle/>
+          <a:p>
+            <a:r>
+              <a:rPr lang="en-US" dirty="0" err="1"/>
+              <a:t>UsersRepository</a:t>
+            </a:r>
+            <a:endParaRPr lang="en-US" dirty="0"/>
+          </a:p>
+        </p:txBody>
+      </p:sp>
+      <p:cxnSp>
+        <p:nvCxnSpPr>
+          <p:cNvPr id="10" name="Straight Arrow Connector 9">
+            <a:extLst>
+              <a:ext uri="{FF2B5EF4-FFF2-40B4-BE49-F238E27FC236}">
+                <a16:creationId xmlns:a16="http://schemas.microsoft.com/office/drawing/2014/main" id="{7F6B0D0F-1FA1-244C-BB70-38BFCD2D3330}"/>
+              </a:ext>
+            </a:extLst>
+          </p:cNvPr>
+          <p:cNvCxnSpPr/>
+          <p:nvPr/>
+        </p:nvCxnSpPr>
+        <p:spPr>
+          <a:xfrm>
+            <a:off x="4152186" y="3592592"/>
+            <a:ext cx="0" cy="426720"/>
+          </a:xfrm>
+          <a:prstGeom prst="straightConnector1">
+            <a:avLst/>
+          </a:prstGeom>
+          <a:ln>
+            <a:tailEnd type="triangle"/>
+          </a:ln>
+        </p:spPr>
+        <p:style>
+          <a:lnRef idx="1">
+            <a:schemeClr val="accent1"/>
+          </a:lnRef>
+          <a:fillRef idx="0">
+            <a:schemeClr val="accent1"/>
+          </a:fillRef>
+          <a:effectRef idx="0">
+            <a:schemeClr val="accent1"/>
+          </a:effectRef>
+          <a:fontRef idx="minor">
+            <a:schemeClr val="tx1"/>
+          </a:fontRef>
+        </p:style>
+      </p:cxnSp>
+      <p:cxnSp>
+        <p:nvCxnSpPr>
+          <p:cNvPr id="12" name="Straight Arrow Connector 11">
+            <a:extLst>
+              <a:ext uri="{FF2B5EF4-FFF2-40B4-BE49-F238E27FC236}">
+                <a16:creationId xmlns:a16="http://schemas.microsoft.com/office/drawing/2014/main" id="{7D7E3FC6-B46C-1145-ABB0-E007A2AB682C}"/>
+              </a:ext>
+            </a:extLst>
+          </p:cNvPr>
+          <p:cNvCxnSpPr/>
+          <p:nvPr/>
+        </p:nvCxnSpPr>
+        <p:spPr>
+          <a:xfrm>
+            <a:off x="9162813" y="3592592"/>
+            <a:ext cx="0" cy="426720"/>
+          </a:xfrm>
+          <a:prstGeom prst="straightConnector1">
+            <a:avLst/>
+          </a:prstGeom>
+          <a:ln>
+            <a:tailEnd type="triangle"/>
+          </a:ln>
+        </p:spPr>
+        <p:style>
+          <a:lnRef idx="1">
+            <a:schemeClr val="accent1"/>
+          </a:lnRef>
+          <a:fillRef idx="0">
+            <a:schemeClr val="accent1"/>
+          </a:fillRef>
+          <a:effectRef idx="0">
+            <a:schemeClr val="accent1"/>
+          </a:effectRef>
+          <a:fontRef idx="minor">
+            <a:schemeClr val="tx1"/>
+          </a:fontRef>
+        </p:style>
+      </p:cxnSp>
+      <p:cxnSp>
+        <p:nvCxnSpPr>
+          <p:cNvPr id="14" name="Straight Arrow Connector 13">
+            <a:extLst>
+              <a:ext uri="{FF2B5EF4-FFF2-40B4-BE49-F238E27FC236}">
+                <a16:creationId xmlns:a16="http://schemas.microsoft.com/office/drawing/2014/main" id="{CB7BC1B6-673D-F649-B78F-E113D3C44B05}"/>
+              </a:ext>
+            </a:extLst>
+          </p:cNvPr>
+          <p:cNvCxnSpPr/>
+          <p:nvPr/>
+        </p:nvCxnSpPr>
+        <p:spPr>
+          <a:xfrm>
+            <a:off x="4526280" y="4469130"/>
+            <a:ext cx="1360170" cy="685800"/>
+          </a:xfrm>
+          <a:prstGeom prst="straightConnector1">
+            <a:avLst/>
+          </a:prstGeom>
+          <a:ln>
+            <a:tailEnd type="triangle"/>
+          </a:ln>
+        </p:spPr>
+        <p:style>
+          <a:lnRef idx="1">
+            <a:schemeClr val="accent1"/>
+          </a:lnRef>
+          <a:fillRef idx="0">
+            <a:schemeClr val="accent1"/>
+          </a:fillRef>
+          <a:effectRef idx="0">
+            <a:schemeClr val="accent1"/>
+          </a:effectRef>
+          <a:fontRef idx="minor">
+            <a:schemeClr val="tx1"/>
+          </a:fontRef>
+        </p:style>
+      </p:cxnSp>
+      <p:cxnSp>
+        <p:nvCxnSpPr>
+          <p:cNvPr id="16" name="Straight Arrow Connector 15">
+            <a:extLst>
+              <a:ext uri="{FF2B5EF4-FFF2-40B4-BE49-F238E27FC236}">
+                <a16:creationId xmlns:a16="http://schemas.microsoft.com/office/drawing/2014/main" id="{9FEA3016-6331-5A49-A88B-B36BA61AB7F7}"/>
+              </a:ext>
+            </a:extLst>
+          </p:cNvPr>
+          <p:cNvCxnSpPr/>
+          <p:nvPr/>
+        </p:nvCxnSpPr>
+        <p:spPr>
+          <a:xfrm flipH="1">
+            <a:off x="7092632" y="4522113"/>
+            <a:ext cx="1537018" cy="729979"/>
+          </a:xfrm>
+          <a:prstGeom prst="straightConnector1">
+            <a:avLst/>
+          </a:prstGeom>
+          <a:ln>
+            <a:tailEnd type="triangle"/>
+          </a:ln>
+        </p:spPr>
+        <p:style>
+          <a:lnRef idx="1">
+            <a:schemeClr val="accent1"/>
+          </a:lnRef>
+          <a:fillRef idx="0">
+            <a:schemeClr val="accent1"/>
+          </a:fillRef>
+          <a:effectRef idx="0">
+            <a:schemeClr val="accent1"/>
+          </a:effectRef>
+          <a:fontRef idx="minor">
+            <a:schemeClr val="tx1"/>
+          </a:fontRef>
+        </p:style>
+      </p:cxnSp>
+    </p:spTree>
+    <p:extLst>
+      <p:ext uri="{BB962C8B-B14F-4D97-AF65-F5344CB8AC3E}">
+        <p14:creationId xmlns:p14="http://schemas.microsoft.com/office/powerpoint/2010/main" val="1383323255"/>
+      </p:ext>
+    </p:extLst>
+  </p:cSld>
+  <p:clrMapOvr>
+    <a:masterClrMapping/>
+  </p:clrMapOvr>
+</p:sld>
+</file>
+
+<file path=ppt/slides/slide12.xml><?xml version="1.0" encoding="utf-8"?>
+<p:sld xmlns:a="http://schemas.openxmlformats.org/drawingml/2006/main" xmlns:r="http://schemas.openxmlformats.org/officeDocument/2006/relationships" xmlns:p="http://schemas.openxmlformats.org/presentationml/2006/main">
+  <p:cSld>
+    <p:spTree>
+      <p:nvGrpSpPr>
+        <p:cNvPr id="1" name=""/>
+        <p:cNvGrpSpPr/>
+        <p:nvPr/>
+      </p:nvGrpSpPr>
+      <p:grpSpPr>
+        <a:xfrm>
+          <a:off x="0" y="0"/>
+          <a:ext cx="0" cy="0"/>
+          <a:chOff x="0" y="0"/>
+          <a:chExt cx="0" cy="0"/>
+        </a:xfrm>
+      </p:grpSpPr>
+      <p:sp>
+        <p:nvSpPr>
+          <p:cNvPr id="2" name="Title 1">
+            <a:extLst>
+              <a:ext uri="{FF2B5EF4-FFF2-40B4-BE49-F238E27FC236}">
+                <a16:creationId xmlns:a16="http://schemas.microsoft.com/office/drawing/2014/main" id="{DE4DEE4E-B62B-E645-B8B9-ED955CAB07DE}"/>
+              </a:ext>
+            </a:extLst>
+          </p:cNvPr>
+          <p:cNvSpPr>
+            <a:spLocks noGrp="1"/>
+          </p:cNvSpPr>
+          <p:nvPr>
+            <p:ph type="title"/>
+          </p:nvPr>
+        </p:nvSpPr>
+        <p:spPr/>
+        <p:txBody>
+          <a:bodyPr>
+            <a:normAutofit/>
+          </a:bodyPr>
+          <a:lstStyle/>
+          <a:p>
+            <a:r>
+              <a:rPr lang="en-US" dirty="0"/>
+              <a:t>Single Source Of Truth </a:t>
+            </a:r>
+            <a:br>
+              <a:rPr lang="en-US" dirty="0"/>
+            </a:br>
+            <a:r>
+              <a:rPr lang="en-US" dirty="0"/>
+              <a:t>(</a:t>
+            </a:r>
+            <a:r>
+              <a:rPr lang="en-IN" dirty="0"/>
+              <a:t>Drive UI from a model)</a:t>
+            </a:r>
+            <a:endParaRPr lang="en-US" dirty="0"/>
+          </a:p>
+        </p:txBody>
+      </p:sp>
+      <p:sp>
+        <p:nvSpPr>
+          <p:cNvPr id="3" name="Content Placeholder 2">
+            <a:extLst>
+              <a:ext uri="{FF2B5EF4-FFF2-40B4-BE49-F238E27FC236}">
+                <a16:creationId xmlns:a16="http://schemas.microsoft.com/office/drawing/2014/main" id="{551823B7-581E-6E4B-8A36-F4C9BFAB4A0C}"/>
+              </a:ext>
+            </a:extLst>
+          </p:cNvPr>
+          <p:cNvSpPr>
+            <a:spLocks noGrp="1"/>
+          </p:cNvSpPr>
+          <p:nvPr>
+            <p:ph idx="1"/>
+          </p:nvPr>
+        </p:nvSpPr>
+        <p:spPr/>
+        <p:txBody>
+          <a:bodyPr>
+            <a:normAutofit/>
+          </a:bodyPr>
+          <a:lstStyle/>
+          <a:p>
+            <a:r>
+              <a:rPr lang="en-US" dirty="0"/>
+              <a:t>Scenario:</a:t>
+            </a:r>
+          </a:p>
+          <a:p>
+            <a:pPr lvl="1"/>
+            <a:r>
+              <a:rPr lang="en-US" dirty="0" err="1"/>
+              <a:t>UserList</a:t>
+            </a:r>
+            <a:r>
+              <a:rPr lang="en-US" dirty="0"/>
+              <a:t> screen – we show data from </a:t>
+            </a:r>
+            <a:r>
+              <a:rPr lang="en-US" dirty="0" err="1"/>
+              <a:t>localDB</a:t>
+            </a:r>
+            <a:r>
+              <a:rPr lang="en-US" dirty="0"/>
+              <a:t> (name and </a:t>
+            </a:r>
+            <a:r>
+              <a:rPr lang="en-US" dirty="0" err="1"/>
+              <a:t>lastLoginTime</a:t>
+            </a:r>
+            <a:r>
+              <a:rPr lang="en-US" dirty="0"/>
+              <a:t>)</a:t>
+            </a:r>
+          </a:p>
+          <a:p>
+            <a:pPr lvl="1"/>
+            <a:r>
+              <a:rPr lang="en-US" dirty="0"/>
+              <a:t>User goes to </a:t>
+            </a:r>
+            <a:r>
+              <a:rPr lang="en-US" dirty="0" err="1"/>
+              <a:t>UserDetail</a:t>
+            </a:r>
+            <a:r>
+              <a:rPr lang="en-US" dirty="0"/>
+              <a:t> screen – we call API to get details (</a:t>
+            </a:r>
+            <a:r>
+              <a:rPr lang="en-US" dirty="0" err="1"/>
+              <a:t>lastLoginTime</a:t>
+            </a:r>
+            <a:r>
+              <a:rPr lang="en-US" dirty="0"/>
+              <a:t> has been changed)</a:t>
+            </a:r>
+          </a:p>
+          <a:p>
+            <a:pPr lvl="1"/>
+            <a:r>
+              <a:rPr lang="en-US" dirty="0"/>
+              <a:t>If user goes back to </a:t>
+            </a:r>
+            <a:r>
+              <a:rPr lang="en-US" dirty="0" err="1"/>
+              <a:t>UserList</a:t>
+            </a:r>
+            <a:r>
+              <a:rPr lang="en-US" dirty="0"/>
+              <a:t> screen - inconsistent data</a:t>
+            </a:r>
+          </a:p>
+          <a:p>
+            <a:endParaRPr lang="en-US" dirty="0"/>
+          </a:p>
+          <a:p>
+            <a:r>
+              <a:rPr lang="en-US" dirty="0"/>
+              <a:t>Solution – UI should always reflect data in the </a:t>
+            </a:r>
+            <a:r>
+              <a:rPr lang="en-US" dirty="0" err="1"/>
+              <a:t>localDB</a:t>
+            </a:r>
+            <a:r>
+              <a:rPr lang="en-US" dirty="0"/>
+              <a:t>. </a:t>
+            </a:r>
+            <a:r>
+              <a:rPr lang="en-US" dirty="0" err="1"/>
+              <a:t>localDB</a:t>
+            </a:r>
+            <a:r>
+              <a:rPr lang="en-US" dirty="0"/>
+              <a:t> is the single source of truth. When we call the API, we can immediately update </a:t>
+            </a:r>
+            <a:r>
+              <a:rPr lang="en-US" dirty="0" err="1"/>
+              <a:t>localDB</a:t>
+            </a:r>
+            <a:r>
+              <a:rPr lang="en-US" dirty="0"/>
+              <a:t>.</a:t>
+            </a:r>
+          </a:p>
+          <a:p>
+            <a:pPr lvl="1"/>
+            <a:r>
+              <a:rPr lang="en-IN" dirty="0"/>
+              <a:t>App continues to work in cases when a network connection is flaky or not available.</a:t>
+            </a:r>
+            <a:endParaRPr lang="en-US" dirty="0"/>
+          </a:p>
+        </p:txBody>
+      </p:sp>
+    </p:spTree>
+    <p:extLst>
+      <p:ext uri="{BB962C8B-B14F-4D97-AF65-F5344CB8AC3E}">
+        <p14:creationId xmlns:p14="http://schemas.microsoft.com/office/powerpoint/2010/main" val="854499415"/>
+      </p:ext>
+    </p:extLst>
+  </p:cSld>
+  <p:clrMapOvr>
+    <a:masterClrMapping/>
+  </p:clrMapOvr>
+</p:sld>
+</file>
+
+<file path=ppt/slides/slide13.xml><?xml version="1.0" encoding="utf-8"?>
+<p:sld xmlns:a="http://schemas.openxmlformats.org/drawingml/2006/main" xmlns:r="http://schemas.openxmlformats.org/officeDocument/2006/relationships" xmlns:p="http://schemas.openxmlformats.org/presentationml/2006/main">
+  <p:cSld>
+    <p:spTree>
+      <p:nvGrpSpPr>
+        <p:cNvPr id="1" name=""/>
+        <p:cNvGrpSpPr/>
+        <p:nvPr/>
+      </p:nvGrpSpPr>
+      <p:grpSpPr>
+        <a:xfrm>
+          <a:off x="0" y="0"/>
+          <a:ext cx="0" cy="0"/>
+          <a:chOff x="0" y="0"/>
+          <a:chExt cx="0" cy="0"/>
+        </a:xfrm>
+      </p:grpSpPr>
+      <p:sp>
+        <p:nvSpPr>
+          <p:cNvPr id="2" name="Title 1">
+            <a:extLst>
+              <a:ext uri="{FF2B5EF4-FFF2-40B4-BE49-F238E27FC236}">
+                <a16:creationId xmlns:a16="http://schemas.microsoft.com/office/drawing/2014/main" id="{889DA2CE-3BBD-5E45-9E4D-ADEF9F6FA320}"/>
+              </a:ext>
+            </a:extLst>
+          </p:cNvPr>
+          <p:cNvSpPr>
+            <a:spLocks noGrp="1"/>
+          </p:cNvSpPr>
+          <p:nvPr>
+            <p:ph type="title"/>
+          </p:nvPr>
+        </p:nvSpPr>
+        <p:spPr/>
+        <p:txBody>
+          <a:bodyPr>
+            <a:normAutofit fontScale="90000"/>
+          </a:bodyPr>
+          <a:lstStyle/>
+          <a:p>
+            <a:r>
+              <a:rPr lang="en-US" dirty="0"/>
+              <a:t>What if UI could observe </a:t>
+            </a:r>
+            <a:r>
+              <a:rPr lang="en-US" dirty="0" err="1"/>
+              <a:t>localDB</a:t>
+            </a:r>
+            <a:r>
+              <a:rPr lang="en-US" dirty="0"/>
+              <a:t>?</a:t>
+            </a:r>
+            <a:br>
+              <a:rPr lang="en-US" dirty="0"/>
+            </a:br>
+            <a:br>
+              <a:rPr lang="en-US" dirty="0"/>
+            </a:br>
+            <a:r>
+              <a:rPr lang="en-US" dirty="0"/>
+              <a:t>Can UI be updated whenever there is a change in </a:t>
+            </a:r>
+            <a:r>
+              <a:rPr lang="en-US" dirty="0" err="1"/>
+              <a:t>localDB</a:t>
+            </a:r>
+            <a:r>
+              <a:rPr lang="en-US" dirty="0"/>
+              <a:t>?</a:t>
+            </a:r>
+            <a:br>
+              <a:rPr lang="en-US" dirty="0"/>
+            </a:br>
+            <a:endParaRPr lang="en-US" dirty="0"/>
+          </a:p>
+        </p:txBody>
+      </p:sp>
+      <p:sp>
+        <p:nvSpPr>
+          <p:cNvPr id="3" name="Content Placeholder 2">
+            <a:extLst>
+              <a:ext uri="{FF2B5EF4-FFF2-40B4-BE49-F238E27FC236}">
+                <a16:creationId xmlns:a16="http://schemas.microsoft.com/office/drawing/2014/main" id="{A2CA576C-2B88-D84A-8057-752A1DA1B26C}"/>
+              </a:ext>
+            </a:extLst>
+          </p:cNvPr>
+          <p:cNvSpPr>
+            <a:spLocks noGrp="1"/>
+          </p:cNvSpPr>
+          <p:nvPr>
+            <p:ph idx="1"/>
+          </p:nvPr>
+        </p:nvSpPr>
+        <p:spPr/>
+        <p:txBody>
+          <a:bodyPr/>
+          <a:lstStyle/>
+          <a:p>
+            <a:endParaRPr lang="en-US" dirty="0"/>
+          </a:p>
+          <a:p>
+            <a:endParaRPr lang="en-US" dirty="0"/>
+          </a:p>
+        </p:txBody>
+      </p:sp>
+    </p:spTree>
+    <p:extLst>
+      <p:ext uri="{BB962C8B-B14F-4D97-AF65-F5344CB8AC3E}">
+        <p14:creationId xmlns:p14="http://schemas.microsoft.com/office/powerpoint/2010/main" val="4088465359"/>
+      </p:ext>
+    </p:extLst>
+  </p:cSld>
+  <p:clrMapOvr>
+    <a:masterClrMapping/>
+  </p:clrMapOvr>
+</p:sld>
+</file>
+
+<file path=ppt/slides/slide14.xml><?xml version="1.0" encoding="utf-8"?>
+<p:sld xmlns:a="http://schemas.openxmlformats.org/drawingml/2006/main" xmlns:r="http://schemas.openxmlformats.org/officeDocument/2006/relationships" xmlns:p="http://schemas.openxmlformats.org/presentationml/2006/main">
+  <p:cSld>
+    <p:spTree>
+      <p:nvGrpSpPr>
+        <p:cNvPr id="1" name=""/>
+        <p:cNvGrpSpPr/>
+        <p:nvPr/>
+      </p:nvGrpSpPr>
+      <p:grpSpPr>
+        <a:xfrm>
+          <a:off x="0" y="0"/>
+          <a:ext cx="0" cy="0"/>
+          <a:chOff x="0" y="0"/>
+          <a:chExt cx="0" cy="0"/>
+        </a:xfrm>
+      </p:grpSpPr>
+      <p:sp>
+        <p:nvSpPr>
+          <p:cNvPr id="2" name="Title 1">
+            <a:extLst>
+              <a:ext uri="{FF2B5EF4-FFF2-40B4-BE49-F238E27FC236}">
                 <a16:creationId xmlns:a16="http://schemas.microsoft.com/office/drawing/2014/main" id="{0C5970C9-CEA4-E243-9744-4799D38969E1}"/>
               </a:ext>
             </a:extLst>
@@ -7885,7 +8652,12 @@
             <p:ph idx="1"/>
           </p:nvPr>
         </p:nvSpPr>
-        <p:spPr/>
+        <p:spPr>
+          <a:xfrm>
+            <a:off x="1632770" y="2144110"/>
+            <a:ext cx="8915400" cy="3777622"/>
+          </a:xfrm>
+        </p:spPr>
         <p:txBody>
           <a:bodyPr/>
           <a:lstStyle/>
@@ -7912,6 +8684,69 @@
               <a:rPr lang="en-US" dirty="0"/>
               <a:t>Reduces callback code</a:t>
             </a:r>
+          </a:p>
+          <a:p>
+            <a:endParaRPr lang="en-US" dirty="0"/>
+          </a:p>
+          <a:p>
+            <a:pPr marL="0" indent="0">
+              <a:buNone/>
+            </a:pPr>
+            <a:r>
+              <a:rPr lang="en-IN" dirty="0" err="1"/>
+              <a:t>Eg.</a:t>
+            </a:r>
+            <a:r>
+              <a:rPr lang="en-IN" dirty="0"/>
+              <a:t> </a:t>
+            </a:r>
+            <a:r>
+              <a:rPr lang="en-IN" dirty="0" err="1"/>
+              <a:t>LiveData</a:t>
+            </a:r>
+            <a:r>
+              <a:rPr lang="en-IN" dirty="0"/>
+              <a:t>&lt;List&lt;User&gt;&gt; </a:t>
+            </a:r>
+            <a:r>
+              <a:rPr lang="en-IN" dirty="0" err="1"/>
+              <a:t>livedata</a:t>
+            </a:r>
+            <a:r>
+              <a:rPr lang="en-IN" dirty="0"/>
+              <a:t>;</a:t>
+            </a:r>
+          </a:p>
+          <a:p>
+            <a:pPr marL="0" indent="0">
+              <a:buNone/>
+            </a:pPr>
+            <a:r>
+              <a:rPr lang="en-IN" dirty="0" err="1"/>
+              <a:t>livedata.observe</a:t>
+            </a:r>
+            <a:r>
+              <a:rPr lang="en-IN" dirty="0"/>
+              <a:t>(this, users -&gt;</a:t>
+            </a:r>
+          </a:p>
+          <a:p>
+            <a:pPr marL="0" indent="0">
+              <a:buNone/>
+            </a:pPr>
+            <a:r>
+              <a:rPr lang="en-IN" dirty="0"/>
+              <a:t>	</a:t>
+            </a:r>
+            <a:r>
+              <a:rPr lang="en-IN" dirty="0" err="1"/>
+              <a:t>updateView</a:t>
+            </a:r>
+            <a:r>
+              <a:rPr lang="en-IN" dirty="0"/>
+              <a:t>(users));</a:t>
+            </a:r>
+            <a:endParaRPr lang="en-US" dirty="0"/>
           </a:p>
         </p:txBody>
       </p:sp>
@@ -7958,7 +8793,7 @@
 </p:sld>
 </file>
 
-<file path=ppt/slides/slide12.xml><?xml version="1.0" encoding="utf-8"?>
+<file path=ppt/slides/slide15.xml><?xml version="1.0" encoding="utf-8"?>
 <p:sld xmlns:a="http://schemas.openxmlformats.org/drawingml/2006/main" xmlns:r="http://schemas.openxmlformats.org/officeDocument/2006/relationships" xmlns:p="http://schemas.openxmlformats.org/presentationml/2006/main">
   <p:cSld>
     <p:spTree>
@@ -7980,6 +8815,334 @@
           <p:cNvPr id="2" name="Title 1">
             <a:extLst>
               <a:ext uri="{FF2B5EF4-FFF2-40B4-BE49-F238E27FC236}">
+                <a16:creationId xmlns:a16="http://schemas.microsoft.com/office/drawing/2014/main" id="{6ACF38B4-8C22-8040-9323-34307417EB2B}"/>
+              </a:ext>
+            </a:extLst>
+          </p:cNvPr>
+          <p:cNvSpPr>
+            <a:spLocks noGrp="1"/>
+          </p:cNvSpPr>
+          <p:nvPr>
+            <p:ph type="title"/>
+          </p:nvPr>
+        </p:nvSpPr>
+        <p:spPr/>
+        <p:txBody>
+          <a:bodyPr/>
+          <a:lstStyle/>
+          <a:p>
+            <a:r>
+              <a:rPr lang="en-US" dirty="0"/>
+              <a:t>Room</a:t>
+            </a:r>
+          </a:p>
+        </p:txBody>
+      </p:sp>
+      <p:sp>
+        <p:nvSpPr>
+          <p:cNvPr id="3" name="Content Placeholder 2">
+            <a:extLst>
+              <a:ext uri="{FF2B5EF4-FFF2-40B4-BE49-F238E27FC236}">
+                <a16:creationId xmlns:a16="http://schemas.microsoft.com/office/drawing/2014/main" id="{FE698127-3D02-0343-B67F-03C52D876B3D}"/>
+              </a:ext>
+            </a:extLst>
+          </p:cNvPr>
+          <p:cNvSpPr>
+            <a:spLocks noGrp="1"/>
+          </p:cNvSpPr>
+          <p:nvPr>
+            <p:ph idx="1"/>
+          </p:nvPr>
+        </p:nvSpPr>
+        <p:spPr>
+          <a:xfrm>
+            <a:off x="2589212" y="1187669"/>
+            <a:ext cx="8915400" cy="4723553"/>
+          </a:xfrm>
+        </p:spPr>
+        <p:txBody>
+          <a:bodyPr>
+            <a:normAutofit fontScale="70000" lnSpcReduction="20000"/>
+          </a:bodyPr>
+          <a:lstStyle/>
+          <a:p>
+            <a:pPr marL="0" indent="0">
+              <a:buNone/>
+            </a:pPr>
+            <a:r>
+              <a:rPr lang="en-IN" b="1" dirty="0"/>
+              <a:t>Table</a:t>
+            </a:r>
+          </a:p>
+          <a:p>
+            <a:pPr marL="0" indent="0">
+              <a:buNone/>
+            </a:pPr>
+            <a:r>
+              <a:rPr lang="en-IN" dirty="0"/>
+              <a:t>@Entity(</a:t>
+            </a:r>
+            <a:r>
+              <a:rPr lang="en-IN" dirty="0" err="1"/>
+              <a:t>tableName</a:t>
+            </a:r>
+            <a:r>
+              <a:rPr lang="en-IN" dirty="0"/>
+              <a:t> = "user")</a:t>
+            </a:r>
+            <a:br>
+              <a:rPr lang="en-IN" dirty="0"/>
+            </a:br>
+            <a:r>
+              <a:rPr lang="en-IN" dirty="0"/>
+              <a:t>public class User {</a:t>
+            </a:r>
+            <a:br>
+              <a:rPr lang="en-IN" dirty="0"/>
+            </a:br>
+            <a:br>
+              <a:rPr lang="en-IN" dirty="0"/>
+            </a:br>
+            <a:r>
+              <a:rPr lang="en-IN" dirty="0"/>
+              <a:t>    @</a:t>
+            </a:r>
+            <a:r>
+              <a:rPr lang="en-IN" dirty="0" err="1"/>
+              <a:t>PrimaryKey</a:t>
+            </a:r>
+            <a:br>
+              <a:rPr lang="en-IN" dirty="0"/>
+            </a:br>
+            <a:r>
+              <a:rPr lang="en-IN" dirty="0"/>
+              <a:t>    @</a:t>
+            </a:r>
+            <a:r>
+              <a:rPr lang="en-IN" dirty="0" err="1"/>
+              <a:t>NonNull</a:t>
+            </a:r>
+            <a:br>
+              <a:rPr lang="en-IN" dirty="0"/>
+            </a:br>
+            <a:r>
+              <a:rPr lang="en-IN" dirty="0"/>
+              <a:t>    private String id;</a:t>
+            </a:r>
+          </a:p>
+          <a:p>
+            <a:pPr marL="0" indent="0">
+              <a:buNone/>
+            </a:pPr>
+            <a:r>
+              <a:rPr lang="en-IN" dirty="0"/>
+              <a:t>}</a:t>
+            </a:r>
+          </a:p>
+          <a:p>
+            <a:pPr marL="0" indent="0">
+              <a:buNone/>
+            </a:pPr>
+            <a:endParaRPr lang="en-IN" dirty="0"/>
+          </a:p>
+          <a:p>
+            <a:pPr marL="0" indent="0">
+              <a:buNone/>
+            </a:pPr>
+            <a:r>
+              <a:rPr lang="en-IN" b="1" dirty="0"/>
+              <a:t>DAO</a:t>
+            </a:r>
+          </a:p>
+          <a:p>
+            <a:pPr marL="0" indent="0">
+              <a:buNone/>
+            </a:pPr>
+            <a:r>
+              <a:rPr lang="en-IN" dirty="0"/>
+              <a:t>@Dao</a:t>
+            </a:r>
+            <a:br>
+              <a:rPr lang="en-IN" dirty="0"/>
+            </a:br>
+            <a:r>
+              <a:rPr lang="en-IN" dirty="0"/>
+              <a:t>public interface </a:t>
+            </a:r>
+            <a:r>
+              <a:rPr lang="en-IN" dirty="0" err="1"/>
+              <a:t>UserDao</a:t>
+            </a:r>
+            <a:r>
+              <a:rPr lang="en-IN" dirty="0"/>
+              <a:t> {</a:t>
+            </a:r>
+            <a:br>
+              <a:rPr lang="en-IN" dirty="0"/>
+            </a:br>
+            <a:br>
+              <a:rPr lang="en-IN" dirty="0"/>
+            </a:br>
+            <a:r>
+              <a:rPr lang="en-IN" dirty="0"/>
+              <a:t>    @Query("SELECT * FROM user")</a:t>
+            </a:r>
+            <a:br>
+              <a:rPr lang="en-IN" dirty="0"/>
+            </a:br>
+            <a:r>
+              <a:rPr lang="en-IN" dirty="0"/>
+              <a:t>    </a:t>
+            </a:r>
+            <a:r>
+              <a:rPr lang="en-IN" dirty="0" err="1"/>
+              <a:t>LiveData</a:t>
+            </a:r>
+            <a:r>
+              <a:rPr lang="en-IN" dirty="0"/>
+              <a:t>&lt;List&lt;User&gt;&gt; </a:t>
+            </a:r>
+            <a:r>
+              <a:rPr lang="en-IN" dirty="0" err="1"/>
+              <a:t>getUsers</a:t>
+            </a:r>
+            <a:r>
+              <a:rPr lang="en-IN" dirty="0"/>
+              <a:t>();</a:t>
+            </a:r>
+          </a:p>
+          <a:p>
+            <a:pPr marL="0" indent="0">
+              <a:buNone/>
+            </a:pPr>
+            <a:r>
+              <a:rPr lang="en-IN" dirty="0"/>
+              <a:t>}</a:t>
+            </a:r>
+          </a:p>
+          <a:p>
+            <a:pPr marL="0" indent="0">
+              <a:buNone/>
+            </a:pPr>
+            <a:endParaRPr lang="en-IN" dirty="0"/>
+          </a:p>
+          <a:p>
+            <a:pPr marL="0" indent="0">
+              <a:buNone/>
+            </a:pPr>
+            <a:r>
+              <a:rPr lang="en-IN" b="1" dirty="0"/>
+              <a:t>Database</a:t>
+            </a:r>
+          </a:p>
+          <a:p>
+            <a:pPr marL="0" indent="0">
+              <a:buNone/>
+            </a:pPr>
+            <a:r>
+              <a:rPr lang="en-IN" dirty="0"/>
+              <a:t>@Database(entities = {</a:t>
+            </a:r>
+            <a:r>
+              <a:rPr lang="en-IN" dirty="0" err="1"/>
+              <a:t>User.class</a:t>
+            </a:r>
+            <a:r>
+              <a:rPr lang="en-IN" dirty="0"/>
+              <a:t>}, version = 1)</a:t>
+            </a:r>
+            <a:br>
+              <a:rPr lang="en-IN" dirty="0"/>
+            </a:br>
+            <a:r>
+              <a:rPr lang="en-IN" dirty="0"/>
+              <a:t>public abstract class </a:t>
+            </a:r>
+            <a:r>
+              <a:rPr lang="en-IN" dirty="0" err="1"/>
+              <a:t>AppDatabase</a:t>
+            </a:r>
+            <a:r>
+              <a:rPr lang="en-IN" dirty="0"/>
+              <a:t> extends </a:t>
+            </a:r>
+            <a:r>
+              <a:rPr lang="en-IN" dirty="0" err="1"/>
+              <a:t>RoomDatabase</a:t>
+            </a:r>
+            <a:r>
+              <a:rPr lang="en-IN" dirty="0"/>
+              <a:t> {</a:t>
+            </a:r>
+            <a:br>
+              <a:rPr lang="en-IN" dirty="0"/>
+            </a:br>
+            <a:r>
+              <a:rPr lang="en-IN" dirty="0"/>
+              <a:t>    public abstract </a:t>
+            </a:r>
+            <a:r>
+              <a:rPr lang="en-IN" dirty="0" err="1"/>
+              <a:t>UserDao</a:t>
+            </a:r>
+            <a:r>
+              <a:rPr lang="en-IN" dirty="0"/>
+              <a:t> </a:t>
+            </a:r>
+            <a:r>
+              <a:rPr lang="en-IN" dirty="0" err="1"/>
+              <a:t>userDao</a:t>
+            </a:r>
+            <a:r>
+              <a:rPr lang="en-IN" dirty="0"/>
+              <a:t>();</a:t>
+            </a:r>
+            <a:br>
+              <a:rPr lang="en-IN" dirty="0"/>
+            </a:br>
+            <a:r>
+              <a:rPr lang="en-IN" dirty="0"/>
+              <a:t>}</a:t>
+            </a:r>
+            <a:endParaRPr lang="en-US" dirty="0"/>
+          </a:p>
+        </p:txBody>
+      </p:sp>
+    </p:spTree>
+    <p:extLst>
+      <p:ext uri="{BB962C8B-B14F-4D97-AF65-F5344CB8AC3E}">
+        <p14:creationId xmlns:p14="http://schemas.microsoft.com/office/powerpoint/2010/main" val="2305794603"/>
+      </p:ext>
+    </p:extLst>
+  </p:cSld>
+  <p:clrMapOvr>
+    <a:masterClrMapping/>
+  </p:clrMapOvr>
+</p:sld>
+</file>
+
+<file path=ppt/slides/slide16.xml><?xml version="1.0" encoding="utf-8"?>
+<p:sld xmlns:a="http://schemas.openxmlformats.org/drawingml/2006/main" xmlns:r="http://schemas.openxmlformats.org/officeDocument/2006/relationships" xmlns:p="http://schemas.openxmlformats.org/presentationml/2006/main">
+  <p:cSld>
+    <p:spTree>
+      <p:nvGrpSpPr>
+        <p:cNvPr id="1" name=""/>
+        <p:cNvGrpSpPr/>
+        <p:nvPr/>
+      </p:nvGrpSpPr>
+      <p:grpSpPr>
+        <a:xfrm>
+          <a:off x="0" y="0"/>
+          <a:ext cx="0" cy="0"/>
+          <a:chOff x="0" y="0"/>
+          <a:chExt cx="0" cy="0"/>
+        </a:xfrm>
+      </p:grpSpPr>
+      <p:sp>
+        <p:nvSpPr>
+          <p:cNvPr id="2" name="Title 1">
+            <a:extLst>
+              <a:ext uri="{FF2B5EF4-FFF2-40B4-BE49-F238E27FC236}">
                 <a16:creationId xmlns:a16="http://schemas.microsoft.com/office/drawing/2014/main" id="{4A6D8A92-EB83-214C-A3E7-6889BC6C3AEA}"/>
               </a:ext>
             </a:extLst>
@@ -8028,7 +9191,7 @@
         <p:spPr>
           <a:xfrm>
             <a:off x="3474720" y="1268730"/>
-            <a:ext cx="5955030" cy="4800600"/>
+            <a:ext cx="6503670" cy="5166360"/>
           </a:xfrm>
         </p:spPr>
       </p:pic>
@@ -8045,7 +9208,7 @@
 </p:sld>
 </file>
 
-<file path=ppt/slides/slide13.xml><?xml version="1.0" encoding="utf-8"?>
+<file path=ppt/slides/slide17.xml><?xml version="1.0" encoding="utf-8"?>
 <p:sld xmlns:a="http://schemas.openxmlformats.org/drawingml/2006/main" xmlns:r="http://schemas.openxmlformats.org/officeDocument/2006/relationships" xmlns:p="http://schemas.openxmlformats.org/presentationml/2006/main">
   <p:cSld>
     <p:spTree>
@@ -8144,7 +9307,7 @@
 </p:sld>
 </file>
 
-<file path=ppt/slides/slide14.xml><?xml version="1.0" encoding="utf-8"?>
+<file path=ppt/slides/slide18.xml><?xml version="1.0" encoding="utf-8"?>
 <p:sld xmlns:a="http://schemas.openxmlformats.org/drawingml/2006/main" xmlns:r="http://schemas.openxmlformats.org/officeDocument/2006/relationships" xmlns:p="http://schemas.openxmlformats.org/presentationml/2006/main">
   <p:cSld>
     <p:spTree>
@@ -8258,7 +9421,7 @@
 </p:sld>
 </file>
 
-<file path=ppt/slides/slide15.xml><?xml version="1.0" encoding="utf-8"?>
+<file path=ppt/slides/slide19.xml><?xml version="1.0" encoding="utf-8"?>
 <p:sld xmlns:a="http://schemas.openxmlformats.org/drawingml/2006/main" xmlns:r="http://schemas.openxmlformats.org/officeDocument/2006/relationships" xmlns:p="http://schemas.openxmlformats.org/presentationml/2006/main">
   <p:cSld>
     <p:spTree>
@@ -8333,6 +9496,41 @@
               <a:t>DI, Dagger ?</a:t>
             </a:r>
             <a:endParaRPr lang="en-US" dirty="0"/>
+          </a:p>
+        </p:txBody>
+      </p:sp>
+      <p:sp>
+        <p:nvSpPr>
+          <p:cNvPr id="4" name="TextBox 3">
+            <a:extLst>
+              <a:ext uri="{FF2B5EF4-FFF2-40B4-BE49-F238E27FC236}">
+                <a16:creationId xmlns:a16="http://schemas.microsoft.com/office/drawing/2014/main" id="{62873FAC-1F7B-B34D-B561-320217C8C0F8}"/>
+              </a:ext>
+            </a:extLst>
+          </p:cNvPr>
+          <p:cNvSpPr txBox="1"/>
+          <p:nvPr/>
+        </p:nvSpPr>
+        <p:spPr>
+          <a:xfrm>
+            <a:off x="8961120" y="5282572"/>
+            <a:ext cx="1293944" cy="369332"/>
+          </a:xfrm>
+          <a:prstGeom prst="rect">
+            <a:avLst/>
+          </a:prstGeom>
+          <a:noFill/>
+        </p:spPr>
+        <p:txBody>
+          <a:bodyPr wrap="none" rtlCol="0">
+            <a:spAutoFit/>
+          </a:bodyPr>
+          <a:lstStyle/>
+          <a:p>
+            <a:r>
+              <a:rPr lang="en-US" dirty="0"/>
+              <a:t>M1049764</a:t>
+            </a:r>
           </a:p>
         </p:txBody>
       </p:sp>
@@ -8371,7 +9569,7 @@
           <p:cNvPr id="2" name="Title 1">
             <a:extLst>
               <a:ext uri="{FF2B5EF4-FFF2-40B4-BE49-F238E27FC236}">
-                <a16:creationId xmlns:a16="http://schemas.microsoft.com/office/drawing/2014/main" id="{680D8411-0119-924C-B25C-30C3CCDDF719}"/>
+                <a16:creationId xmlns:a16="http://schemas.microsoft.com/office/drawing/2014/main" id="{3E0AD3C1-51D9-BC40-B3BD-0E32954D7B04}"/>
               </a:ext>
             </a:extLst>
           </p:cNvPr>
@@ -8389,7 +9587,7 @@
           <a:p>
             <a:r>
               <a:rPr lang="en-US" dirty="0"/>
-              <a:t>Base ideas</a:t>
+              <a:t>Jetpack ?</a:t>
             </a:r>
           </a:p>
         </p:txBody>
@@ -8399,7 +9597,7 @@
           <p:cNvPr id="3" name="Content Placeholder 2">
             <a:extLst>
               <a:ext uri="{FF2B5EF4-FFF2-40B4-BE49-F238E27FC236}">
-                <a16:creationId xmlns:a16="http://schemas.microsoft.com/office/drawing/2014/main" id="{B9B6A124-AA58-8C43-9C84-47FE6EAA72FD}"/>
+                <a16:creationId xmlns:a16="http://schemas.microsoft.com/office/drawing/2014/main" id="{69D8A34C-3DFD-CB42-9AFE-E4C42777C6FF}"/>
               </a:ext>
             </a:extLst>
           </p:cNvPr>
@@ -8416,25 +9614,54 @@
           <a:lstStyle/>
           <a:p>
             <a:r>
-              <a:rPr lang="en-US" dirty="0"/>
-              <a:t>Separation of concerns – Separating into distinct sections. Each section addresses a separate concern</a:t>
-            </a:r>
-          </a:p>
-          <a:p>
-            <a:endParaRPr lang="en-US" dirty="0"/>
-          </a:p>
-          <a:p>
-            <a:r>
-              <a:rPr lang="en-US" dirty="0"/>
-              <a:t>Single Responsibility Principle – Each class/function has a single responsibility</a:t>
-            </a:r>
+              <a:rPr lang="en-IN" dirty="0"/>
+              <a:t>Jetpack is a collection of libraries.</a:t>
+            </a:r>
+          </a:p>
+          <a:p>
+            <a:endParaRPr lang="en-IN" dirty="0"/>
+          </a:p>
+          <a:p>
+            <a:r>
+              <a:rPr lang="en-IN" dirty="0"/>
+              <a:t>These components help you follow best practices, free you from writing boilerplate code.</a:t>
+            </a:r>
+          </a:p>
+          <a:p>
+            <a:endParaRPr lang="en-IN" dirty="0"/>
+          </a:p>
+          <a:p>
+            <a:r>
+              <a:rPr lang="en-IN" dirty="0"/>
+              <a:t>Jetpack comprises the </a:t>
+            </a:r>
+            <a:r>
+              <a:rPr lang="en-IN" dirty="0">
+                <a:hlinkClick r:id="rId2"/>
+              </a:rPr>
+              <a:t>androidx.*</a:t>
+            </a:r>
+            <a:r>
+              <a:rPr lang="en-IN" dirty="0"/>
+              <a:t> package libraries, unbundled from the platform APIs. </a:t>
+            </a:r>
+          </a:p>
+          <a:p>
+            <a:endParaRPr lang="en-IN" dirty="0"/>
+          </a:p>
+          <a:p>
+            <a:r>
+              <a:rPr lang="en-IN" dirty="0"/>
+              <a:t>Not mandatory, can mix and match.</a:t>
+            </a:r>
+            <a:endParaRPr lang="en-US" dirty="0"/>
           </a:p>
         </p:txBody>
       </p:sp>
     </p:spTree>
     <p:extLst>
       <p:ext uri="{BB962C8B-B14F-4D97-AF65-F5344CB8AC3E}">
-        <p14:creationId xmlns:p14="http://schemas.microsoft.com/office/powerpoint/2010/main" val="1603116385"/>
+        <p14:creationId xmlns:p14="http://schemas.microsoft.com/office/powerpoint/2010/main" val="2616685921"/>
       </p:ext>
     </p:extLst>
   </p:cSld>
@@ -8466,7 +9693,7 @@
           <p:cNvPr id="2" name="Title 1">
             <a:extLst>
               <a:ext uri="{FF2B5EF4-FFF2-40B4-BE49-F238E27FC236}">
-                <a16:creationId xmlns:a16="http://schemas.microsoft.com/office/drawing/2014/main" id="{DF85496E-535C-654A-8828-5FC9AE4CCD3E}"/>
+                <a16:creationId xmlns:a16="http://schemas.microsoft.com/office/drawing/2014/main" id="{680D8411-0119-924C-B25C-30C3CCDDF719}"/>
               </a:ext>
             </a:extLst>
           </p:cNvPr>
@@ -8484,12 +9711,8 @@
           <a:p>
             <a:r>
               <a:rPr lang="en-US" dirty="0"/>
-              <a:t>MVC</a:t>
-            </a:r>
-            <a:br>
-              <a:rPr lang="en-US" dirty="0"/>
-            </a:br>
-            <a:endParaRPr lang="en-US" dirty="0"/>
+              <a:t>Base ideas</a:t>
+            </a:r>
           </a:p>
         </p:txBody>
       </p:sp>
@@ -8498,7 +9721,7 @@
           <p:cNvPr id="3" name="Content Placeholder 2">
             <a:extLst>
               <a:ext uri="{FF2B5EF4-FFF2-40B4-BE49-F238E27FC236}">
-                <a16:creationId xmlns:a16="http://schemas.microsoft.com/office/drawing/2014/main" id="{B5119512-2E64-2446-9F67-4A8A4139CBD6}"/>
+                <a16:creationId xmlns:a16="http://schemas.microsoft.com/office/drawing/2014/main" id="{B9B6A124-AA58-8C43-9C84-47FE6EAA72FD}"/>
               </a:ext>
             </a:extLst>
           </p:cNvPr>
@@ -8509,273 +9732,23 @@
             <p:ph idx="1"/>
           </p:nvPr>
         </p:nvSpPr>
-        <p:spPr>
-          <a:xfrm>
-            <a:off x="2589212" y="2133600"/>
-            <a:ext cx="8915400" cy="3777622"/>
-          </a:xfrm>
-        </p:spPr>
+        <p:spPr/>
         <p:txBody>
           <a:bodyPr/>
           <a:lstStyle/>
           <a:p>
             <a:r>
               <a:rPr lang="en-US" dirty="0"/>
-              <a:t>	</a:t>
-            </a:r>
-          </a:p>
-        </p:txBody>
-      </p:sp>
-      <p:sp>
-        <p:nvSpPr>
-          <p:cNvPr id="4" name="Rectangle 3">
-            <a:extLst>
-              <a:ext uri="{FF2B5EF4-FFF2-40B4-BE49-F238E27FC236}">
-                <a16:creationId xmlns:a16="http://schemas.microsoft.com/office/drawing/2014/main" id="{A380178C-9626-664A-884F-D03893CEB65A}"/>
-              </a:ext>
-            </a:extLst>
-          </p:cNvPr>
-          <p:cNvSpPr/>
-          <p:nvPr/>
-        </p:nvSpPr>
-        <p:spPr>
-          <a:xfrm>
-            <a:off x="2875547" y="2839453"/>
-            <a:ext cx="2286000" cy="2033336"/>
-          </a:xfrm>
-          <a:prstGeom prst="rect">
-            <a:avLst/>
-          </a:prstGeom>
-        </p:spPr>
-        <p:style>
-          <a:lnRef idx="2">
-            <a:schemeClr val="accent1">
-              <a:shade val="50000"/>
-            </a:schemeClr>
-          </a:lnRef>
-          <a:fillRef idx="1">
-            <a:schemeClr val="accent1"/>
-          </a:fillRef>
-          <a:effectRef idx="0">
-            <a:schemeClr val="accent1"/>
-          </a:effectRef>
-          <a:fontRef idx="minor">
-            <a:schemeClr val="lt1"/>
-          </a:fontRef>
-        </p:style>
-        <p:txBody>
-          <a:bodyPr rtlCol="0" anchor="ctr"/>
-          <a:lstStyle/>
-          <a:p>
-            <a:pPr algn="ctr"/>
-            <a:r>
-              <a:rPr lang="en-US" dirty="0" err="1"/>
-              <a:t>Activity_userlist.xml</a:t>
-            </a:r>
-            <a:endParaRPr lang="en-US" dirty="0"/>
-          </a:p>
-        </p:txBody>
-      </p:sp>
-      <p:sp>
-        <p:nvSpPr>
-          <p:cNvPr id="5" name="Rectangle 4">
-            <a:extLst>
-              <a:ext uri="{FF2B5EF4-FFF2-40B4-BE49-F238E27FC236}">
-                <a16:creationId xmlns:a16="http://schemas.microsoft.com/office/drawing/2014/main" id="{44153B83-E97B-3C44-856A-70D5EF8D8A4B}"/>
-              </a:ext>
-            </a:extLst>
-          </p:cNvPr>
-          <p:cNvSpPr/>
-          <p:nvPr/>
-        </p:nvSpPr>
-        <p:spPr>
-          <a:xfrm>
-            <a:off x="6286500" y="2839453"/>
-            <a:ext cx="2189747" cy="2021306"/>
-          </a:xfrm>
-          <a:prstGeom prst="rect">
-            <a:avLst/>
-          </a:prstGeom>
-        </p:spPr>
-        <p:style>
-          <a:lnRef idx="2">
-            <a:schemeClr val="accent1">
-              <a:shade val="50000"/>
-            </a:schemeClr>
-          </a:lnRef>
-          <a:fillRef idx="1">
-            <a:schemeClr val="accent1"/>
-          </a:fillRef>
-          <a:effectRef idx="0">
-            <a:schemeClr val="accent1"/>
-          </a:effectRef>
-          <a:fontRef idx="minor">
-            <a:schemeClr val="lt1"/>
-          </a:fontRef>
-        </p:style>
-        <p:txBody>
-          <a:bodyPr rtlCol="0" anchor="ctr"/>
-          <a:lstStyle/>
-          <a:p>
-            <a:pPr algn="ctr"/>
-            <a:r>
-              <a:rPr lang="en-US" dirty="0" err="1"/>
-              <a:t>UserListActivity</a:t>
-            </a:r>
-            <a:endParaRPr lang="en-US" dirty="0"/>
-          </a:p>
-        </p:txBody>
-      </p:sp>
-      <p:sp>
-        <p:nvSpPr>
-          <p:cNvPr id="6" name="Rectangle 5">
-            <a:extLst>
-              <a:ext uri="{FF2B5EF4-FFF2-40B4-BE49-F238E27FC236}">
-                <a16:creationId xmlns:a16="http://schemas.microsoft.com/office/drawing/2014/main" id="{2B6DAB82-03BF-3F4D-8443-38371A75D1D9}"/>
-              </a:ext>
-            </a:extLst>
-          </p:cNvPr>
-          <p:cNvSpPr/>
-          <p:nvPr/>
-        </p:nvSpPr>
-        <p:spPr>
-          <a:xfrm>
-            <a:off x="9432172" y="2839453"/>
-            <a:ext cx="1756611" cy="2033336"/>
-          </a:xfrm>
-          <a:prstGeom prst="rect">
-            <a:avLst/>
-          </a:prstGeom>
-        </p:spPr>
-        <p:style>
-          <a:lnRef idx="2">
-            <a:schemeClr val="accent1">
-              <a:shade val="50000"/>
-            </a:schemeClr>
-          </a:lnRef>
-          <a:fillRef idx="1">
-            <a:schemeClr val="accent1"/>
-          </a:fillRef>
-          <a:effectRef idx="0">
-            <a:schemeClr val="accent1"/>
-          </a:effectRef>
-          <a:fontRef idx="minor">
-            <a:schemeClr val="lt1"/>
-          </a:fontRef>
-        </p:style>
-        <p:txBody>
-          <a:bodyPr rtlCol="0" anchor="ctr"/>
-          <a:lstStyle/>
-          <a:p>
-            <a:pPr algn="ctr"/>
-            <a:r>
-              <a:rPr lang="en-US" dirty="0"/>
-              <a:t>User</a:t>
-            </a:r>
-          </a:p>
-        </p:txBody>
-      </p:sp>
-      <p:sp>
-        <p:nvSpPr>
-          <p:cNvPr id="7" name="TextBox 6">
-            <a:extLst>
-              <a:ext uri="{FF2B5EF4-FFF2-40B4-BE49-F238E27FC236}">
-                <a16:creationId xmlns:a16="http://schemas.microsoft.com/office/drawing/2014/main" id="{6F2043A2-5476-4941-B393-4CF748BF747C}"/>
-              </a:ext>
-            </a:extLst>
-          </p:cNvPr>
-          <p:cNvSpPr txBox="1"/>
-          <p:nvPr/>
-        </p:nvSpPr>
-        <p:spPr>
-          <a:xfrm>
-            <a:off x="6744019" y="5016658"/>
-            <a:ext cx="1274708" cy="369332"/>
-          </a:xfrm>
-          <a:prstGeom prst="rect">
-            <a:avLst/>
-          </a:prstGeom>
-          <a:noFill/>
-        </p:spPr>
-        <p:txBody>
-          <a:bodyPr wrap="none" rtlCol="0">
-            <a:spAutoFit/>
-          </a:bodyPr>
-          <a:lstStyle/>
-          <a:p>
-            <a:r>
-              <a:rPr lang="en-US" dirty="0"/>
-              <a:t>Controller</a:t>
-            </a:r>
-          </a:p>
-        </p:txBody>
-      </p:sp>
-      <p:sp>
-        <p:nvSpPr>
-          <p:cNvPr id="8" name="TextBox 7">
-            <a:extLst>
-              <a:ext uri="{FF2B5EF4-FFF2-40B4-BE49-F238E27FC236}">
-                <a16:creationId xmlns:a16="http://schemas.microsoft.com/office/drawing/2014/main" id="{E3E9599E-020C-D747-88B7-BF888F70E904}"/>
-              </a:ext>
-            </a:extLst>
-          </p:cNvPr>
-          <p:cNvSpPr txBox="1"/>
-          <p:nvPr/>
-        </p:nvSpPr>
-        <p:spPr>
-          <a:xfrm>
-            <a:off x="3562467" y="5016658"/>
-            <a:ext cx="736099" cy="369332"/>
-          </a:xfrm>
-          <a:prstGeom prst="rect">
-            <a:avLst/>
-          </a:prstGeom>
-          <a:noFill/>
-        </p:spPr>
-        <p:txBody>
-          <a:bodyPr wrap="none" rtlCol="0">
-            <a:spAutoFit/>
-          </a:bodyPr>
-          <a:lstStyle/>
-          <a:p>
-            <a:r>
-              <a:rPr lang="en-US" dirty="0"/>
-              <a:t>View</a:t>
-            </a:r>
-          </a:p>
-        </p:txBody>
-      </p:sp>
-      <p:sp>
-        <p:nvSpPr>
-          <p:cNvPr id="9" name="TextBox 8">
-            <a:extLst>
-              <a:ext uri="{FF2B5EF4-FFF2-40B4-BE49-F238E27FC236}">
-                <a16:creationId xmlns:a16="http://schemas.microsoft.com/office/drawing/2014/main" id="{39AD553F-39C5-E643-817A-268338726E02}"/>
-              </a:ext>
-            </a:extLst>
-          </p:cNvPr>
-          <p:cNvSpPr txBox="1"/>
-          <p:nvPr/>
-        </p:nvSpPr>
-        <p:spPr>
-          <a:xfrm>
-            <a:off x="9649326" y="5016658"/>
-            <a:ext cx="902811" cy="369332"/>
-          </a:xfrm>
-          <a:prstGeom prst="rect">
-            <a:avLst/>
-          </a:prstGeom>
-          <a:noFill/>
-        </p:spPr>
-        <p:txBody>
-          <a:bodyPr wrap="none" rtlCol="0">
-            <a:spAutoFit/>
-          </a:bodyPr>
-          <a:lstStyle/>
-          <a:p>
-            <a:r>
-              <a:rPr lang="en-US" dirty="0"/>
-              <a:t>Model</a:t>
+              <a:t>Separation of concerns – Separating program into distinct sections. Each section addresses a separate concern</a:t>
+            </a:r>
+          </a:p>
+          <a:p>
+            <a:endParaRPr lang="en-US" dirty="0"/>
+          </a:p>
+          <a:p>
+            <a:r>
+              <a:rPr lang="en-US" dirty="0"/>
+              <a:t>Single Responsibility Principle – Each class/function has a single responsibility</a:t>
             </a:r>
           </a:p>
         </p:txBody>
@@ -8783,7 +9756,7 @@
     </p:spTree>
     <p:extLst>
       <p:ext uri="{BB962C8B-B14F-4D97-AF65-F5344CB8AC3E}">
-        <p14:creationId xmlns:p14="http://schemas.microsoft.com/office/powerpoint/2010/main" val="708443221"/>
+        <p14:creationId xmlns:p14="http://schemas.microsoft.com/office/powerpoint/2010/main" val="1603116385"/>
       </p:ext>
     </p:extLst>
   </p:cSld>
@@ -8833,7 +9806,7 @@
           <a:p>
             <a:r>
               <a:rPr lang="en-US" dirty="0"/>
-              <a:t>MVP</a:t>
+              <a:t>MVC</a:t>
             </a:r>
             <a:br>
               <a:rPr lang="en-US" dirty="0"/>
@@ -8923,14 +9896,6 @@
             </a:r>
             <a:endParaRPr lang="en-US" dirty="0"/>
           </a:p>
-          <a:p>
-            <a:pPr algn="ctr"/>
-            <a:r>
-              <a:rPr lang="en-US" dirty="0" err="1"/>
-              <a:t>UserListActivity</a:t>
-            </a:r>
-            <a:endParaRPr lang="en-US" dirty="0"/>
-          </a:p>
         </p:txBody>
       </p:sp>
       <p:sp>
@@ -8977,7 +9942,7 @@
             <a:pPr algn="ctr"/>
             <a:r>
               <a:rPr lang="en-US" dirty="0" err="1"/>
-              <a:t>UserListPresenter</a:t>
+              <a:t>UserListActivity</a:t>
             </a:r>
             <a:endParaRPr lang="en-US" dirty="0"/>
           </a:p>
@@ -9046,8 +10011,8 @@
         </p:nvSpPr>
         <p:spPr>
           <a:xfrm>
-            <a:off x="6771270" y="2241521"/>
-            <a:ext cx="1220206" cy="369332"/>
+            <a:off x="6744019" y="5016658"/>
+            <a:ext cx="1274708" cy="369332"/>
           </a:xfrm>
           <a:prstGeom prst="rect">
             <a:avLst/>
@@ -9062,7 +10027,7 @@
           <a:p>
             <a:r>
               <a:rPr lang="en-US" dirty="0"/>
-              <a:t>Presenter</a:t>
+              <a:t>Controller</a:t>
             </a:r>
           </a:p>
         </p:txBody>
@@ -9081,7 +10046,7 @@
         </p:nvSpPr>
         <p:spPr>
           <a:xfrm>
-            <a:off x="3550436" y="2241521"/>
+            <a:off x="3562467" y="5016658"/>
             <a:ext cx="736099" cy="369332"/>
           </a:xfrm>
           <a:prstGeom prst="rect">
@@ -9116,7 +10081,7 @@
         </p:nvSpPr>
         <p:spPr>
           <a:xfrm>
-            <a:off x="9745579" y="2171155"/>
+            <a:off x="9649326" y="5016658"/>
             <a:ext cx="902811" cy="369332"/>
           </a:xfrm>
           <a:prstGeom prst="rect">
@@ -9137,109 +10102,10 @@
           </a:p>
         </p:txBody>
       </p:sp>
-      <p:sp>
-        <p:nvSpPr>
-          <p:cNvPr id="10" name="TextBox 9">
-            <a:extLst>
-              <a:ext uri="{FF2B5EF4-FFF2-40B4-BE49-F238E27FC236}">
-                <a16:creationId xmlns:a16="http://schemas.microsoft.com/office/drawing/2014/main" id="{80A8167A-C2B6-CA44-88D2-F18E9537EFF3}"/>
-              </a:ext>
-            </a:extLst>
-          </p:cNvPr>
-          <p:cNvSpPr txBox="1"/>
-          <p:nvPr/>
-        </p:nvSpPr>
-        <p:spPr>
-          <a:xfrm>
-            <a:off x="2875547" y="5209310"/>
-            <a:ext cx="2388795" cy="369332"/>
-          </a:xfrm>
-          <a:prstGeom prst="rect">
-            <a:avLst/>
-          </a:prstGeom>
-          <a:noFill/>
-        </p:spPr>
-        <p:txBody>
-          <a:bodyPr wrap="none" rtlCol="0">
-            <a:spAutoFit/>
-          </a:bodyPr>
-          <a:lstStyle/>
-          <a:p>
-            <a:r>
-              <a:rPr lang="en-US" dirty="0" err="1"/>
-              <a:t>Presenter.getUsers</a:t>
-            </a:r>
-            <a:r>
-              <a:rPr lang="en-US" dirty="0"/>
-              <a:t>()</a:t>
-            </a:r>
-          </a:p>
-        </p:txBody>
-      </p:sp>
-      <p:sp>
-        <p:nvSpPr>
-          <p:cNvPr id="11" name="TextBox 10">
-            <a:extLst>
-              <a:ext uri="{FF2B5EF4-FFF2-40B4-BE49-F238E27FC236}">
-                <a16:creationId xmlns:a16="http://schemas.microsoft.com/office/drawing/2014/main" id="{DA177369-5E3E-5144-945E-C540758CE58C}"/>
-              </a:ext>
-            </a:extLst>
-          </p:cNvPr>
-          <p:cNvSpPr txBox="1"/>
-          <p:nvPr/>
-        </p:nvSpPr>
-        <p:spPr>
-          <a:xfrm>
-            <a:off x="5604702" y="5102192"/>
-            <a:ext cx="4140877" cy="923330"/>
-          </a:xfrm>
-          <a:prstGeom prst="rect">
-            <a:avLst/>
-          </a:prstGeom>
-          <a:noFill/>
-        </p:spPr>
-        <p:txBody>
-          <a:bodyPr wrap="none" rtlCol="0">
-            <a:spAutoFit/>
-          </a:bodyPr>
-          <a:lstStyle/>
-          <a:p>
-            <a:r>
-              <a:rPr lang="en-US" dirty="0"/>
-              <a:t>Call </a:t>
-            </a:r>
-            <a:r>
-              <a:rPr lang="en-US" dirty="0" err="1"/>
-              <a:t>localDB</a:t>
-            </a:r>
-            <a:r>
-              <a:rPr lang="en-US" dirty="0"/>
-              <a:t> or API</a:t>
-            </a:r>
-          </a:p>
-          <a:p>
-            <a:endParaRPr lang="en-US" dirty="0"/>
-          </a:p>
-          <a:p>
-            <a:r>
-              <a:rPr lang="en-US" dirty="0"/>
-              <a:t>On Receiving users – </a:t>
-            </a:r>
-            <a:r>
-              <a:rPr lang="en-US" dirty="0" err="1"/>
-              <a:t>view.update</a:t>
-            </a:r>
-            <a:r>
-              <a:rPr lang="en-US" dirty="0"/>
-              <a:t>()</a:t>
-            </a:r>
-          </a:p>
-        </p:txBody>
-      </p:sp>
     </p:spTree>
     <p:extLst>
       <p:ext uri="{BB962C8B-B14F-4D97-AF65-F5344CB8AC3E}">
-        <p14:creationId xmlns:p14="http://schemas.microsoft.com/office/powerpoint/2010/main" val="2930588770"/>
+        <p14:creationId xmlns:p14="http://schemas.microsoft.com/office/powerpoint/2010/main" val="708443221"/>
       </p:ext>
     </p:extLst>
   </p:cSld>
@@ -9271,6 +10137,574 @@
           <p:cNvPr id="2" name="Title 1">
             <a:extLst>
               <a:ext uri="{FF2B5EF4-FFF2-40B4-BE49-F238E27FC236}">
+                <a16:creationId xmlns:a16="http://schemas.microsoft.com/office/drawing/2014/main" id="{623273B9-6102-6043-977C-5750160A6A83}"/>
+              </a:ext>
+            </a:extLst>
+          </p:cNvPr>
+          <p:cNvSpPr>
+            <a:spLocks noGrp="1"/>
+          </p:cNvSpPr>
+          <p:nvPr>
+            <p:ph type="title"/>
+          </p:nvPr>
+        </p:nvSpPr>
+        <p:spPr/>
+        <p:txBody>
+          <a:bodyPr/>
+          <a:lstStyle/>
+          <a:p>
+            <a:r>
+              <a:rPr lang="en-US" dirty="0"/>
+              <a:t>Controller</a:t>
+            </a:r>
+          </a:p>
+        </p:txBody>
+      </p:sp>
+      <p:sp>
+        <p:nvSpPr>
+          <p:cNvPr id="3" name="Content Placeholder 2">
+            <a:extLst>
+              <a:ext uri="{FF2B5EF4-FFF2-40B4-BE49-F238E27FC236}">
+                <a16:creationId xmlns:a16="http://schemas.microsoft.com/office/drawing/2014/main" id="{D423D98A-BF13-7045-96A0-83E4619DD28B}"/>
+              </a:ext>
+            </a:extLst>
+          </p:cNvPr>
+          <p:cNvSpPr>
+            <a:spLocks noGrp="1"/>
+          </p:cNvSpPr>
+          <p:nvPr>
+            <p:ph idx="1"/>
+          </p:nvPr>
+        </p:nvSpPr>
+        <p:spPr/>
+        <p:txBody>
+          <a:bodyPr/>
+          <a:lstStyle/>
+          <a:p>
+            <a:r>
+              <a:rPr lang="en-US" dirty="0"/>
+              <a:t>Has view related code.</a:t>
+            </a:r>
+          </a:p>
+          <a:p>
+            <a:r>
+              <a:rPr lang="en-US" dirty="0"/>
+              <a:t>Has code to call API or </a:t>
+            </a:r>
+            <a:r>
+              <a:rPr lang="en-US" dirty="0" err="1"/>
+              <a:t>localDB</a:t>
+            </a:r>
+            <a:r>
+              <a:rPr lang="en-US" dirty="0"/>
+              <a:t> to update the views.</a:t>
+            </a:r>
+          </a:p>
+          <a:p>
+            <a:endParaRPr lang="en-US" dirty="0"/>
+          </a:p>
+          <a:p>
+            <a:endParaRPr lang="en-US" dirty="0"/>
+          </a:p>
+          <a:p>
+            <a:r>
+              <a:rPr lang="en-US" dirty="0"/>
+              <a:t>Is there a better way ?</a:t>
+            </a:r>
+          </a:p>
+        </p:txBody>
+      </p:sp>
+    </p:spTree>
+    <p:extLst>
+      <p:ext uri="{BB962C8B-B14F-4D97-AF65-F5344CB8AC3E}">
+        <p14:creationId xmlns:p14="http://schemas.microsoft.com/office/powerpoint/2010/main" val="2013623291"/>
+      </p:ext>
+    </p:extLst>
+  </p:cSld>
+  <p:clrMapOvr>
+    <a:masterClrMapping/>
+  </p:clrMapOvr>
+</p:sld>
+</file>
+
+<file path=ppt/slides/slide6.xml><?xml version="1.0" encoding="utf-8"?>
+<p:sld xmlns:a="http://schemas.openxmlformats.org/drawingml/2006/main" xmlns:r="http://schemas.openxmlformats.org/officeDocument/2006/relationships" xmlns:p="http://schemas.openxmlformats.org/presentationml/2006/main">
+  <p:cSld>
+    <p:spTree>
+      <p:nvGrpSpPr>
+        <p:cNvPr id="1" name=""/>
+        <p:cNvGrpSpPr/>
+        <p:nvPr/>
+      </p:nvGrpSpPr>
+      <p:grpSpPr>
+        <a:xfrm>
+          <a:off x="0" y="0"/>
+          <a:ext cx="0" cy="0"/>
+          <a:chOff x="0" y="0"/>
+          <a:chExt cx="0" cy="0"/>
+        </a:xfrm>
+      </p:grpSpPr>
+      <p:sp>
+        <p:nvSpPr>
+          <p:cNvPr id="2" name="Title 1">
+            <a:extLst>
+              <a:ext uri="{FF2B5EF4-FFF2-40B4-BE49-F238E27FC236}">
+                <a16:creationId xmlns:a16="http://schemas.microsoft.com/office/drawing/2014/main" id="{DF85496E-535C-654A-8828-5FC9AE4CCD3E}"/>
+              </a:ext>
+            </a:extLst>
+          </p:cNvPr>
+          <p:cNvSpPr>
+            <a:spLocks noGrp="1"/>
+          </p:cNvSpPr>
+          <p:nvPr>
+            <p:ph type="title"/>
+          </p:nvPr>
+        </p:nvSpPr>
+        <p:spPr/>
+        <p:txBody>
+          <a:bodyPr/>
+          <a:lstStyle/>
+          <a:p>
+            <a:r>
+              <a:rPr lang="en-US" dirty="0"/>
+              <a:t>MVP</a:t>
+            </a:r>
+            <a:br>
+              <a:rPr lang="en-US" dirty="0"/>
+            </a:br>
+            <a:endParaRPr lang="en-US" dirty="0"/>
+          </a:p>
+        </p:txBody>
+      </p:sp>
+      <p:sp>
+        <p:nvSpPr>
+          <p:cNvPr id="3" name="Content Placeholder 2">
+            <a:extLst>
+              <a:ext uri="{FF2B5EF4-FFF2-40B4-BE49-F238E27FC236}">
+                <a16:creationId xmlns:a16="http://schemas.microsoft.com/office/drawing/2014/main" id="{B5119512-2E64-2446-9F67-4A8A4139CBD6}"/>
+              </a:ext>
+            </a:extLst>
+          </p:cNvPr>
+          <p:cNvSpPr>
+            <a:spLocks noGrp="1"/>
+          </p:cNvSpPr>
+          <p:nvPr>
+            <p:ph idx="1"/>
+          </p:nvPr>
+        </p:nvSpPr>
+        <p:spPr>
+          <a:xfrm>
+            <a:off x="2589212" y="2133600"/>
+            <a:ext cx="8915400" cy="3777622"/>
+          </a:xfrm>
+        </p:spPr>
+        <p:txBody>
+          <a:bodyPr/>
+          <a:lstStyle/>
+          <a:p>
+            <a:r>
+              <a:rPr lang="en-US" dirty="0"/>
+              <a:t>	</a:t>
+            </a:r>
+          </a:p>
+        </p:txBody>
+      </p:sp>
+      <p:sp>
+        <p:nvSpPr>
+          <p:cNvPr id="4" name="Rectangle 3">
+            <a:extLst>
+              <a:ext uri="{FF2B5EF4-FFF2-40B4-BE49-F238E27FC236}">
+                <a16:creationId xmlns:a16="http://schemas.microsoft.com/office/drawing/2014/main" id="{A380178C-9626-664A-884F-D03893CEB65A}"/>
+              </a:ext>
+            </a:extLst>
+          </p:cNvPr>
+          <p:cNvSpPr/>
+          <p:nvPr/>
+        </p:nvSpPr>
+        <p:spPr>
+          <a:xfrm>
+            <a:off x="2875547" y="2839453"/>
+            <a:ext cx="2286000" cy="2033336"/>
+          </a:xfrm>
+          <a:prstGeom prst="rect">
+            <a:avLst/>
+          </a:prstGeom>
+        </p:spPr>
+        <p:style>
+          <a:lnRef idx="2">
+            <a:schemeClr val="accent1">
+              <a:shade val="50000"/>
+            </a:schemeClr>
+          </a:lnRef>
+          <a:fillRef idx="1">
+            <a:schemeClr val="accent1"/>
+          </a:fillRef>
+          <a:effectRef idx="0">
+            <a:schemeClr val="accent1"/>
+          </a:effectRef>
+          <a:fontRef idx="minor">
+            <a:schemeClr val="lt1"/>
+          </a:fontRef>
+        </p:style>
+        <p:txBody>
+          <a:bodyPr rtlCol="0" anchor="ctr"/>
+          <a:lstStyle/>
+          <a:p>
+            <a:pPr algn="ctr"/>
+            <a:r>
+              <a:rPr lang="en-US" dirty="0" err="1"/>
+              <a:t>Activity_userlist.xml</a:t>
+            </a:r>
+            <a:endParaRPr lang="en-US" dirty="0"/>
+          </a:p>
+          <a:p>
+            <a:pPr algn="ctr"/>
+            <a:r>
+              <a:rPr lang="en-US" dirty="0" err="1"/>
+              <a:t>UserListActivity</a:t>
+            </a:r>
+            <a:endParaRPr lang="en-US" dirty="0"/>
+          </a:p>
+        </p:txBody>
+      </p:sp>
+      <p:sp>
+        <p:nvSpPr>
+          <p:cNvPr id="5" name="Rectangle 4">
+            <a:extLst>
+              <a:ext uri="{FF2B5EF4-FFF2-40B4-BE49-F238E27FC236}">
+                <a16:creationId xmlns:a16="http://schemas.microsoft.com/office/drawing/2014/main" id="{44153B83-E97B-3C44-856A-70D5EF8D8A4B}"/>
+              </a:ext>
+            </a:extLst>
+          </p:cNvPr>
+          <p:cNvSpPr/>
+          <p:nvPr/>
+        </p:nvSpPr>
+        <p:spPr>
+          <a:xfrm>
+            <a:off x="6286500" y="2839453"/>
+            <a:ext cx="2189747" cy="2021306"/>
+          </a:xfrm>
+          <a:prstGeom prst="rect">
+            <a:avLst/>
+          </a:prstGeom>
+        </p:spPr>
+        <p:style>
+          <a:lnRef idx="2">
+            <a:schemeClr val="accent1">
+              <a:shade val="50000"/>
+            </a:schemeClr>
+          </a:lnRef>
+          <a:fillRef idx="1">
+            <a:schemeClr val="accent1"/>
+          </a:fillRef>
+          <a:effectRef idx="0">
+            <a:schemeClr val="accent1"/>
+          </a:effectRef>
+          <a:fontRef idx="minor">
+            <a:schemeClr val="lt1"/>
+          </a:fontRef>
+        </p:style>
+        <p:txBody>
+          <a:bodyPr rtlCol="0" anchor="ctr"/>
+          <a:lstStyle/>
+          <a:p>
+            <a:pPr algn="ctr"/>
+            <a:r>
+              <a:rPr lang="en-US" dirty="0" err="1"/>
+              <a:t>UserListPresenter</a:t>
+            </a:r>
+            <a:endParaRPr lang="en-US" dirty="0"/>
+          </a:p>
+        </p:txBody>
+      </p:sp>
+      <p:sp>
+        <p:nvSpPr>
+          <p:cNvPr id="6" name="Rectangle 5">
+            <a:extLst>
+              <a:ext uri="{FF2B5EF4-FFF2-40B4-BE49-F238E27FC236}">
+                <a16:creationId xmlns:a16="http://schemas.microsoft.com/office/drawing/2014/main" id="{2B6DAB82-03BF-3F4D-8443-38371A75D1D9}"/>
+              </a:ext>
+            </a:extLst>
+          </p:cNvPr>
+          <p:cNvSpPr/>
+          <p:nvPr/>
+        </p:nvSpPr>
+        <p:spPr>
+          <a:xfrm>
+            <a:off x="9432172" y="2839453"/>
+            <a:ext cx="1756611" cy="2033336"/>
+          </a:xfrm>
+          <a:prstGeom prst="rect">
+            <a:avLst/>
+          </a:prstGeom>
+        </p:spPr>
+        <p:style>
+          <a:lnRef idx="2">
+            <a:schemeClr val="accent1">
+              <a:shade val="50000"/>
+            </a:schemeClr>
+          </a:lnRef>
+          <a:fillRef idx="1">
+            <a:schemeClr val="accent1"/>
+          </a:fillRef>
+          <a:effectRef idx="0">
+            <a:schemeClr val="accent1"/>
+          </a:effectRef>
+          <a:fontRef idx="minor">
+            <a:schemeClr val="lt1"/>
+          </a:fontRef>
+        </p:style>
+        <p:txBody>
+          <a:bodyPr rtlCol="0" anchor="ctr"/>
+          <a:lstStyle/>
+          <a:p>
+            <a:pPr algn="ctr"/>
+            <a:r>
+              <a:rPr lang="en-US" dirty="0"/>
+              <a:t>User</a:t>
+            </a:r>
+          </a:p>
+        </p:txBody>
+      </p:sp>
+      <p:sp>
+        <p:nvSpPr>
+          <p:cNvPr id="7" name="TextBox 6">
+            <a:extLst>
+              <a:ext uri="{FF2B5EF4-FFF2-40B4-BE49-F238E27FC236}">
+                <a16:creationId xmlns:a16="http://schemas.microsoft.com/office/drawing/2014/main" id="{6F2043A2-5476-4941-B393-4CF748BF747C}"/>
+              </a:ext>
+            </a:extLst>
+          </p:cNvPr>
+          <p:cNvSpPr txBox="1"/>
+          <p:nvPr/>
+        </p:nvSpPr>
+        <p:spPr>
+          <a:xfrm>
+            <a:off x="6771270" y="2241521"/>
+            <a:ext cx="1220206" cy="369332"/>
+          </a:xfrm>
+          <a:prstGeom prst="rect">
+            <a:avLst/>
+          </a:prstGeom>
+          <a:noFill/>
+        </p:spPr>
+        <p:txBody>
+          <a:bodyPr wrap="none" rtlCol="0">
+            <a:spAutoFit/>
+          </a:bodyPr>
+          <a:lstStyle/>
+          <a:p>
+            <a:r>
+              <a:rPr lang="en-US" dirty="0"/>
+              <a:t>Presenter</a:t>
+            </a:r>
+          </a:p>
+        </p:txBody>
+      </p:sp>
+      <p:sp>
+        <p:nvSpPr>
+          <p:cNvPr id="8" name="TextBox 7">
+            <a:extLst>
+              <a:ext uri="{FF2B5EF4-FFF2-40B4-BE49-F238E27FC236}">
+                <a16:creationId xmlns:a16="http://schemas.microsoft.com/office/drawing/2014/main" id="{E3E9599E-020C-D747-88B7-BF888F70E904}"/>
+              </a:ext>
+            </a:extLst>
+          </p:cNvPr>
+          <p:cNvSpPr txBox="1"/>
+          <p:nvPr/>
+        </p:nvSpPr>
+        <p:spPr>
+          <a:xfrm>
+            <a:off x="3550436" y="2241521"/>
+            <a:ext cx="736099" cy="369332"/>
+          </a:xfrm>
+          <a:prstGeom prst="rect">
+            <a:avLst/>
+          </a:prstGeom>
+          <a:noFill/>
+        </p:spPr>
+        <p:txBody>
+          <a:bodyPr wrap="none" rtlCol="0">
+            <a:spAutoFit/>
+          </a:bodyPr>
+          <a:lstStyle/>
+          <a:p>
+            <a:r>
+              <a:rPr lang="en-US" dirty="0"/>
+              <a:t>View</a:t>
+            </a:r>
+          </a:p>
+        </p:txBody>
+      </p:sp>
+      <p:sp>
+        <p:nvSpPr>
+          <p:cNvPr id="9" name="TextBox 8">
+            <a:extLst>
+              <a:ext uri="{FF2B5EF4-FFF2-40B4-BE49-F238E27FC236}">
+                <a16:creationId xmlns:a16="http://schemas.microsoft.com/office/drawing/2014/main" id="{39AD553F-39C5-E643-817A-268338726E02}"/>
+              </a:ext>
+            </a:extLst>
+          </p:cNvPr>
+          <p:cNvSpPr txBox="1"/>
+          <p:nvPr/>
+        </p:nvSpPr>
+        <p:spPr>
+          <a:xfrm>
+            <a:off x="9745579" y="2171155"/>
+            <a:ext cx="902811" cy="369332"/>
+          </a:xfrm>
+          <a:prstGeom prst="rect">
+            <a:avLst/>
+          </a:prstGeom>
+          <a:noFill/>
+        </p:spPr>
+        <p:txBody>
+          <a:bodyPr wrap="none" rtlCol="0">
+            <a:spAutoFit/>
+          </a:bodyPr>
+          <a:lstStyle/>
+          <a:p>
+            <a:r>
+              <a:rPr lang="en-US" dirty="0"/>
+              <a:t>Model</a:t>
+            </a:r>
+          </a:p>
+        </p:txBody>
+      </p:sp>
+      <p:sp>
+        <p:nvSpPr>
+          <p:cNvPr id="10" name="TextBox 9">
+            <a:extLst>
+              <a:ext uri="{FF2B5EF4-FFF2-40B4-BE49-F238E27FC236}">
+                <a16:creationId xmlns:a16="http://schemas.microsoft.com/office/drawing/2014/main" id="{80A8167A-C2B6-CA44-88D2-F18E9537EFF3}"/>
+              </a:ext>
+            </a:extLst>
+          </p:cNvPr>
+          <p:cNvSpPr txBox="1"/>
+          <p:nvPr/>
+        </p:nvSpPr>
+        <p:spPr>
+          <a:xfrm>
+            <a:off x="2875547" y="5209310"/>
+            <a:ext cx="2388795" cy="369332"/>
+          </a:xfrm>
+          <a:prstGeom prst="rect">
+            <a:avLst/>
+          </a:prstGeom>
+          <a:noFill/>
+        </p:spPr>
+        <p:txBody>
+          <a:bodyPr wrap="none" rtlCol="0">
+            <a:spAutoFit/>
+          </a:bodyPr>
+          <a:lstStyle/>
+          <a:p>
+            <a:r>
+              <a:rPr lang="en-US" dirty="0" err="1"/>
+              <a:t>Presenter.getUsers</a:t>
+            </a:r>
+            <a:r>
+              <a:rPr lang="en-US" dirty="0"/>
+              <a:t>()</a:t>
+            </a:r>
+          </a:p>
+        </p:txBody>
+      </p:sp>
+      <p:sp>
+        <p:nvSpPr>
+          <p:cNvPr id="11" name="TextBox 10">
+            <a:extLst>
+              <a:ext uri="{FF2B5EF4-FFF2-40B4-BE49-F238E27FC236}">
+                <a16:creationId xmlns:a16="http://schemas.microsoft.com/office/drawing/2014/main" id="{DA177369-5E3E-5144-945E-C540758CE58C}"/>
+              </a:ext>
+            </a:extLst>
+          </p:cNvPr>
+          <p:cNvSpPr txBox="1"/>
+          <p:nvPr/>
+        </p:nvSpPr>
+        <p:spPr>
+          <a:xfrm>
+            <a:off x="5604702" y="5102192"/>
+            <a:ext cx="4140877" cy="923330"/>
+          </a:xfrm>
+          <a:prstGeom prst="rect">
+            <a:avLst/>
+          </a:prstGeom>
+          <a:noFill/>
+        </p:spPr>
+        <p:txBody>
+          <a:bodyPr wrap="none" rtlCol="0">
+            <a:spAutoFit/>
+          </a:bodyPr>
+          <a:lstStyle/>
+          <a:p>
+            <a:r>
+              <a:rPr lang="en-US" dirty="0"/>
+              <a:t>Call </a:t>
+            </a:r>
+            <a:r>
+              <a:rPr lang="en-US" dirty="0" err="1"/>
+              <a:t>localDB</a:t>
+            </a:r>
+            <a:r>
+              <a:rPr lang="en-US" dirty="0"/>
+              <a:t> or API</a:t>
+            </a:r>
+          </a:p>
+          <a:p>
+            <a:endParaRPr lang="en-US" dirty="0"/>
+          </a:p>
+          <a:p>
+            <a:r>
+              <a:rPr lang="en-US" dirty="0"/>
+              <a:t>On Receiving users – </a:t>
+            </a:r>
+            <a:r>
+              <a:rPr lang="en-US" dirty="0" err="1"/>
+              <a:t>view.update</a:t>
+            </a:r>
+            <a:r>
+              <a:rPr lang="en-US" dirty="0"/>
+              <a:t>()</a:t>
+            </a:r>
+          </a:p>
+        </p:txBody>
+      </p:sp>
+    </p:spTree>
+    <p:extLst>
+      <p:ext uri="{BB962C8B-B14F-4D97-AF65-F5344CB8AC3E}">
+        <p14:creationId xmlns:p14="http://schemas.microsoft.com/office/powerpoint/2010/main" val="2930588770"/>
+      </p:ext>
+    </p:extLst>
+  </p:cSld>
+  <p:clrMapOvr>
+    <a:masterClrMapping/>
+  </p:clrMapOvr>
+</p:sld>
+</file>
+
+<file path=ppt/slides/slide7.xml><?xml version="1.0" encoding="utf-8"?>
+<p:sld xmlns:a="http://schemas.openxmlformats.org/drawingml/2006/main" xmlns:r="http://schemas.openxmlformats.org/officeDocument/2006/relationships" xmlns:p="http://schemas.openxmlformats.org/presentationml/2006/main">
+  <p:cSld>
+    <p:spTree>
+      <p:nvGrpSpPr>
+        <p:cNvPr id="1" name=""/>
+        <p:cNvGrpSpPr/>
+        <p:nvPr/>
+      </p:nvGrpSpPr>
+      <p:grpSpPr>
+        <a:xfrm>
+          <a:off x="0" y="0"/>
+          <a:ext cx="0" cy="0"/>
+          <a:chOff x="0" y="0"/>
+          <a:chExt cx="0" cy="0"/>
+        </a:xfrm>
+      </p:grpSpPr>
+      <p:sp>
+        <p:nvSpPr>
+          <p:cNvPr id="2" name="Title 1">
+            <a:extLst>
+              <a:ext uri="{FF2B5EF4-FFF2-40B4-BE49-F238E27FC236}">
                 <a16:creationId xmlns:a16="http://schemas.microsoft.com/office/drawing/2014/main" id="{E96B46E4-6E39-B541-BD57-5B6201EA8752}"/>
               </a:ext>
             </a:extLst>
@@ -9384,7 +10818,7 @@
 </p:sld>
 </file>
 
-<file path=ppt/slides/slide6.xml><?xml version="1.0" encoding="utf-8"?>
+<file path=ppt/slides/slide8.xml><?xml version="1.0" encoding="utf-8"?>
 <p:sld xmlns:a="http://schemas.openxmlformats.org/drawingml/2006/main" xmlns:r="http://schemas.openxmlformats.org/officeDocument/2006/relationships" xmlns:p="http://schemas.openxmlformats.org/presentationml/2006/main">
   <p:cSld>
     <p:spTree>
@@ -9475,550 +10909,6 @@
 </p:sld>
 </file>
 
-<file path=ppt/slides/slide7.xml><?xml version="1.0" encoding="utf-8"?>
-<p:sld xmlns:a="http://schemas.openxmlformats.org/drawingml/2006/main" xmlns:r="http://schemas.openxmlformats.org/officeDocument/2006/relationships" xmlns:p="http://schemas.openxmlformats.org/presentationml/2006/main">
-  <p:cSld>
-    <p:spTree>
-      <p:nvGrpSpPr>
-        <p:cNvPr id="1" name=""/>
-        <p:cNvGrpSpPr/>
-        <p:nvPr/>
-      </p:nvGrpSpPr>
-      <p:grpSpPr>
-        <a:xfrm>
-          <a:off x="0" y="0"/>
-          <a:ext cx="0" cy="0"/>
-          <a:chOff x="0" y="0"/>
-          <a:chExt cx="0" cy="0"/>
-        </a:xfrm>
-      </p:grpSpPr>
-      <p:sp>
-        <p:nvSpPr>
-          <p:cNvPr id="2" name="Title 1">
-            <a:extLst>
-              <a:ext uri="{FF2B5EF4-FFF2-40B4-BE49-F238E27FC236}">
-                <a16:creationId xmlns:a16="http://schemas.microsoft.com/office/drawing/2014/main" id="{BC877A11-5327-DC4F-9770-E0A3051D8E6E}"/>
-              </a:ext>
-            </a:extLst>
-          </p:cNvPr>
-          <p:cNvSpPr>
-            <a:spLocks noGrp="1"/>
-          </p:cNvSpPr>
-          <p:nvPr>
-            <p:ph type="title"/>
-          </p:nvPr>
-        </p:nvSpPr>
-        <p:spPr/>
-        <p:txBody>
-          <a:bodyPr/>
-          <a:lstStyle/>
-          <a:p>
-            <a:r>
-              <a:rPr lang="en-US" dirty="0"/>
-              <a:t>Everything alright?</a:t>
-            </a:r>
-          </a:p>
-        </p:txBody>
-      </p:sp>
-      <p:sp>
-        <p:nvSpPr>
-          <p:cNvPr id="3" name="Content Placeholder 2">
-            <a:extLst>
-              <a:ext uri="{FF2B5EF4-FFF2-40B4-BE49-F238E27FC236}">
-                <a16:creationId xmlns:a16="http://schemas.microsoft.com/office/drawing/2014/main" id="{223FB0E9-C6FF-2A42-AFA3-42037BDBFA3E}"/>
-              </a:ext>
-            </a:extLst>
-          </p:cNvPr>
-          <p:cNvSpPr>
-            <a:spLocks noGrp="1"/>
-          </p:cNvSpPr>
-          <p:nvPr>
-            <p:ph idx="1"/>
-          </p:nvPr>
-        </p:nvSpPr>
-        <p:spPr/>
-        <p:txBody>
-          <a:bodyPr/>
-          <a:lstStyle/>
-          <a:p>
-            <a:r>
-              <a:rPr lang="en-US" dirty="0"/>
-              <a:t>Why should </a:t>
-            </a:r>
-            <a:r>
-              <a:rPr lang="en-US" dirty="0" err="1"/>
-              <a:t>viewModel</a:t>
-            </a:r>
-            <a:r>
-              <a:rPr lang="en-US" dirty="0"/>
-              <a:t> have to decide whether to call API or </a:t>
-            </a:r>
-            <a:r>
-              <a:rPr lang="en-US" dirty="0" err="1"/>
-              <a:t>localDB</a:t>
-            </a:r>
-            <a:r>
-              <a:rPr lang="en-US" dirty="0"/>
-              <a:t> and also parse JSON response ?</a:t>
-            </a:r>
-          </a:p>
-          <a:p>
-            <a:endParaRPr lang="en-US" dirty="0"/>
-          </a:p>
-          <a:p>
-            <a:r>
-              <a:rPr lang="en-US" dirty="0"/>
-              <a:t>What if we had a simple interface to get the data? – </a:t>
-            </a:r>
-            <a:r>
-              <a:rPr lang="en-US" dirty="0" err="1"/>
-              <a:t>UsersRepository</a:t>
-            </a:r>
-            <a:endParaRPr lang="en-US" dirty="0"/>
-          </a:p>
-          <a:p>
-            <a:endParaRPr lang="en-US" dirty="0"/>
-          </a:p>
-          <a:p>
-            <a:pPr marL="0" indent="0">
-              <a:buNone/>
-            </a:pPr>
-            <a:endParaRPr lang="en-US" dirty="0"/>
-          </a:p>
-        </p:txBody>
-      </p:sp>
-    </p:spTree>
-    <p:extLst>
-      <p:ext uri="{BB962C8B-B14F-4D97-AF65-F5344CB8AC3E}">
-        <p14:creationId xmlns:p14="http://schemas.microsoft.com/office/powerpoint/2010/main" val="645437016"/>
-      </p:ext>
-    </p:extLst>
-  </p:cSld>
-  <p:clrMapOvr>
-    <a:masterClrMapping/>
-  </p:clrMapOvr>
-</p:sld>
-</file>
-
-<file path=ppt/slides/slide8.xml><?xml version="1.0" encoding="utf-8"?>
-<p:sld xmlns:a="http://schemas.openxmlformats.org/drawingml/2006/main" xmlns:r="http://schemas.openxmlformats.org/officeDocument/2006/relationships" xmlns:p="http://schemas.openxmlformats.org/presentationml/2006/main">
-  <p:cSld>
-    <p:spTree>
-      <p:nvGrpSpPr>
-        <p:cNvPr id="1" name=""/>
-        <p:cNvGrpSpPr/>
-        <p:nvPr/>
-      </p:nvGrpSpPr>
-      <p:grpSpPr>
-        <a:xfrm>
-          <a:off x="0" y="0"/>
-          <a:ext cx="0" cy="0"/>
-          <a:chOff x="0" y="0"/>
-          <a:chExt cx="0" cy="0"/>
-        </a:xfrm>
-      </p:grpSpPr>
-      <p:sp>
-        <p:nvSpPr>
-          <p:cNvPr id="2" name="Title 1">
-            <a:extLst>
-              <a:ext uri="{FF2B5EF4-FFF2-40B4-BE49-F238E27FC236}">
-                <a16:creationId xmlns:a16="http://schemas.microsoft.com/office/drawing/2014/main" id="{2C114641-B884-7B47-80CA-44F5F1ACA03B}"/>
-              </a:ext>
-            </a:extLst>
-          </p:cNvPr>
-          <p:cNvSpPr>
-            <a:spLocks noGrp="1"/>
-          </p:cNvSpPr>
-          <p:nvPr>
-            <p:ph type="title"/>
-          </p:nvPr>
-        </p:nvSpPr>
-        <p:spPr/>
-        <p:txBody>
-          <a:bodyPr/>
-          <a:lstStyle/>
-          <a:p>
-            <a:r>
-              <a:rPr lang="en-US" dirty="0"/>
-              <a:t>Do we really need a Repository class ?</a:t>
-            </a:r>
-          </a:p>
-        </p:txBody>
-      </p:sp>
-      <p:sp>
-        <p:nvSpPr>
-          <p:cNvPr id="3" name="Content Placeholder 2">
-            <a:extLst>
-              <a:ext uri="{FF2B5EF4-FFF2-40B4-BE49-F238E27FC236}">
-                <a16:creationId xmlns:a16="http://schemas.microsoft.com/office/drawing/2014/main" id="{8BE7555C-7B18-DE4F-B2BF-B00A484745EF}"/>
-              </a:ext>
-            </a:extLst>
-          </p:cNvPr>
-          <p:cNvSpPr>
-            <a:spLocks noGrp="1"/>
-          </p:cNvSpPr>
-          <p:nvPr>
-            <p:ph idx="1"/>
-          </p:nvPr>
-        </p:nvSpPr>
-        <p:spPr/>
-        <p:txBody>
-          <a:bodyPr/>
-          <a:lstStyle/>
-          <a:p>
-            <a:endParaRPr lang="en-US" dirty="0"/>
-          </a:p>
-        </p:txBody>
-      </p:sp>
-      <p:sp>
-        <p:nvSpPr>
-          <p:cNvPr id="4" name="TextBox 3">
-            <a:extLst>
-              <a:ext uri="{FF2B5EF4-FFF2-40B4-BE49-F238E27FC236}">
-                <a16:creationId xmlns:a16="http://schemas.microsoft.com/office/drawing/2014/main" id="{B50D196C-4456-2942-89A3-2F2E7EE47295}"/>
-              </a:ext>
-            </a:extLst>
-          </p:cNvPr>
-          <p:cNvSpPr txBox="1"/>
-          <p:nvPr/>
-        </p:nvSpPr>
-        <p:spPr>
-          <a:xfrm>
-            <a:off x="3211830" y="2560320"/>
-            <a:ext cx="1789272" cy="369332"/>
-          </a:xfrm>
-          <a:prstGeom prst="rect">
-            <a:avLst/>
-          </a:prstGeom>
-          <a:noFill/>
-        </p:spPr>
-        <p:txBody>
-          <a:bodyPr wrap="none" rtlCol="0">
-            <a:spAutoFit/>
-          </a:bodyPr>
-          <a:lstStyle/>
-          <a:p>
-            <a:r>
-              <a:rPr lang="en-US" dirty="0" err="1"/>
-              <a:t>UserListActivity</a:t>
-            </a:r>
-            <a:endParaRPr lang="en-US" dirty="0"/>
-          </a:p>
-        </p:txBody>
-      </p:sp>
-      <p:sp>
-        <p:nvSpPr>
-          <p:cNvPr id="5" name="TextBox 4">
-            <a:extLst>
-              <a:ext uri="{FF2B5EF4-FFF2-40B4-BE49-F238E27FC236}">
-                <a16:creationId xmlns:a16="http://schemas.microsoft.com/office/drawing/2014/main" id="{2A78B625-304F-5647-A0E5-A09CF6B22FC5}"/>
-              </a:ext>
-            </a:extLst>
-          </p:cNvPr>
-          <p:cNvSpPr txBox="1"/>
-          <p:nvPr/>
-        </p:nvSpPr>
-        <p:spPr>
-          <a:xfrm>
-            <a:off x="3097530" y="3356372"/>
-            <a:ext cx="2236510" cy="369332"/>
-          </a:xfrm>
-          <a:prstGeom prst="rect">
-            <a:avLst/>
-          </a:prstGeom>
-          <a:noFill/>
-        </p:spPr>
-        <p:txBody>
-          <a:bodyPr wrap="none" rtlCol="0">
-            <a:spAutoFit/>
-          </a:bodyPr>
-          <a:lstStyle/>
-          <a:p>
-            <a:r>
-              <a:rPr lang="en-US" dirty="0" err="1"/>
-              <a:t>UserListViewModel</a:t>
-            </a:r>
-            <a:endParaRPr lang="en-US" dirty="0"/>
-          </a:p>
-        </p:txBody>
-      </p:sp>
-      <p:sp>
-        <p:nvSpPr>
-          <p:cNvPr id="6" name="TextBox 5">
-            <a:extLst>
-              <a:ext uri="{FF2B5EF4-FFF2-40B4-BE49-F238E27FC236}">
-                <a16:creationId xmlns:a16="http://schemas.microsoft.com/office/drawing/2014/main" id="{AF253D6B-0A81-E248-BED4-C4CC6915C30C}"/>
-              </a:ext>
-            </a:extLst>
-          </p:cNvPr>
-          <p:cNvSpPr txBox="1"/>
-          <p:nvPr/>
-        </p:nvSpPr>
-        <p:spPr>
-          <a:xfrm>
-            <a:off x="8058150" y="2560320"/>
-            <a:ext cx="2117887" cy="369332"/>
-          </a:xfrm>
-          <a:prstGeom prst="rect">
-            <a:avLst/>
-          </a:prstGeom>
-          <a:noFill/>
-        </p:spPr>
-        <p:txBody>
-          <a:bodyPr wrap="none" rtlCol="0">
-            <a:spAutoFit/>
-          </a:bodyPr>
-          <a:lstStyle/>
-          <a:p>
-            <a:r>
-              <a:rPr lang="en-US" dirty="0" err="1"/>
-              <a:t>UserDetailActivity</a:t>
-            </a:r>
-            <a:endParaRPr lang="en-US" dirty="0"/>
-          </a:p>
-        </p:txBody>
-      </p:sp>
-      <p:sp>
-        <p:nvSpPr>
-          <p:cNvPr id="7" name="TextBox 6">
-            <a:extLst>
-              <a:ext uri="{FF2B5EF4-FFF2-40B4-BE49-F238E27FC236}">
-                <a16:creationId xmlns:a16="http://schemas.microsoft.com/office/drawing/2014/main" id="{BB685987-46E8-494E-AC06-35B803F3D184}"/>
-              </a:ext>
-            </a:extLst>
-          </p:cNvPr>
-          <p:cNvSpPr txBox="1"/>
-          <p:nvPr/>
-        </p:nvSpPr>
-        <p:spPr>
-          <a:xfrm>
-            <a:off x="7834530" y="3356372"/>
-            <a:ext cx="2565126" cy="369332"/>
-          </a:xfrm>
-          <a:prstGeom prst="rect">
-            <a:avLst/>
-          </a:prstGeom>
-          <a:noFill/>
-        </p:spPr>
-        <p:txBody>
-          <a:bodyPr wrap="none" rtlCol="0">
-            <a:spAutoFit/>
-          </a:bodyPr>
-          <a:lstStyle/>
-          <a:p>
-            <a:r>
-              <a:rPr lang="en-US" dirty="0" err="1"/>
-              <a:t>UserDetailViewModel</a:t>
-            </a:r>
-            <a:endParaRPr lang="en-US" dirty="0"/>
-          </a:p>
-        </p:txBody>
-      </p:sp>
-      <p:sp>
-        <p:nvSpPr>
-          <p:cNvPr id="8" name="TextBox 7">
-            <a:extLst>
-              <a:ext uri="{FF2B5EF4-FFF2-40B4-BE49-F238E27FC236}">
-                <a16:creationId xmlns:a16="http://schemas.microsoft.com/office/drawing/2014/main" id="{5D8193D8-C37B-284A-B1EC-FA196C493368}"/>
-              </a:ext>
-            </a:extLst>
-          </p:cNvPr>
-          <p:cNvSpPr txBox="1"/>
-          <p:nvPr/>
-        </p:nvSpPr>
-        <p:spPr>
-          <a:xfrm>
-            <a:off x="5703570" y="4589152"/>
-            <a:ext cx="1890261" cy="369332"/>
-          </a:xfrm>
-          <a:prstGeom prst="rect">
-            <a:avLst/>
-          </a:prstGeom>
-          <a:noFill/>
-        </p:spPr>
-        <p:txBody>
-          <a:bodyPr wrap="none" rtlCol="0">
-            <a:spAutoFit/>
-          </a:bodyPr>
-          <a:lstStyle/>
-          <a:p>
-            <a:r>
-              <a:rPr lang="en-US" dirty="0" err="1"/>
-              <a:t>UsersRepository</a:t>
-            </a:r>
-            <a:endParaRPr lang="en-US" dirty="0"/>
-          </a:p>
-        </p:txBody>
-      </p:sp>
-      <p:cxnSp>
-        <p:nvCxnSpPr>
-          <p:cNvPr id="10" name="Straight Arrow Connector 9">
-            <a:extLst>
-              <a:ext uri="{FF2B5EF4-FFF2-40B4-BE49-F238E27FC236}">
-                <a16:creationId xmlns:a16="http://schemas.microsoft.com/office/drawing/2014/main" id="{7F6B0D0F-1FA1-244C-BB70-38BFCD2D3330}"/>
-              </a:ext>
-            </a:extLst>
-          </p:cNvPr>
-          <p:cNvCxnSpPr/>
-          <p:nvPr/>
-        </p:nvCxnSpPr>
-        <p:spPr>
-          <a:xfrm>
-            <a:off x="4106466" y="2929652"/>
-            <a:ext cx="0" cy="426720"/>
-          </a:xfrm>
-          <a:prstGeom prst="straightConnector1">
-            <a:avLst/>
-          </a:prstGeom>
-          <a:ln>
-            <a:tailEnd type="triangle"/>
-          </a:ln>
-        </p:spPr>
-        <p:style>
-          <a:lnRef idx="1">
-            <a:schemeClr val="accent1"/>
-          </a:lnRef>
-          <a:fillRef idx="0">
-            <a:schemeClr val="accent1"/>
-          </a:fillRef>
-          <a:effectRef idx="0">
-            <a:schemeClr val="accent1"/>
-          </a:effectRef>
-          <a:fontRef idx="minor">
-            <a:schemeClr val="tx1"/>
-          </a:fontRef>
-        </p:style>
-      </p:cxnSp>
-      <p:cxnSp>
-        <p:nvCxnSpPr>
-          <p:cNvPr id="12" name="Straight Arrow Connector 11">
-            <a:extLst>
-              <a:ext uri="{FF2B5EF4-FFF2-40B4-BE49-F238E27FC236}">
-                <a16:creationId xmlns:a16="http://schemas.microsoft.com/office/drawing/2014/main" id="{7D7E3FC6-B46C-1145-ABB0-E007A2AB682C}"/>
-              </a:ext>
-            </a:extLst>
-          </p:cNvPr>
-          <p:cNvCxnSpPr/>
-          <p:nvPr/>
-        </p:nvCxnSpPr>
-        <p:spPr>
-          <a:xfrm>
-            <a:off x="9117093" y="2929652"/>
-            <a:ext cx="0" cy="426720"/>
-          </a:xfrm>
-          <a:prstGeom prst="straightConnector1">
-            <a:avLst/>
-          </a:prstGeom>
-          <a:ln>
-            <a:tailEnd type="triangle"/>
-          </a:ln>
-        </p:spPr>
-        <p:style>
-          <a:lnRef idx="1">
-            <a:schemeClr val="accent1"/>
-          </a:lnRef>
-          <a:fillRef idx="0">
-            <a:schemeClr val="accent1"/>
-          </a:fillRef>
-          <a:effectRef idx="0">
-            <a:schemeClr val="accent1"/>
-          </a:effectRef>
-          <a:fontRef idx="minor">
-            <a:schemeClr val="tx1"/>
-          </a:fontRef>
-        </p:style>
-      </p:cxnSp>
-      <p:cxnSp>
-        <p:nvCxnSpPr>
-          <p:cNvPr id="14" name="Straight Arrow Connector 13">
-            <a:extLst>
-              <a:ext uri="{FF2B5EF4-FFF2-40B4-BE49-F238E27FC236}">
-                <a16:creationId xmlns:a16="http://schemas.microsoft.com/office/drawing/2014/main" id="{CB7BC1B6-673D-F649-B78F-E113D3C44B05}"/>
-              </a:ext>
-            </a:extLst>
-          </p:cNvPr>
-          <p:cNvCxnSpPr/>
-          <p:nvPr/>
-        </p:nvCxnSpPr>
-        <p:spPr>
-          <a:xfrm>
-            <a:off x="4480560" y="3806190"/>
-            <a:ext cx="1360170" cy="685800"/>
-          </a:xfrm>
-          <a:prstGeom prst="straightConnector1">
-            <a:avLst/>
-          </a:prstGeom>
-          <a:ln>
-            <a:tailEnd type="triangle"/>
-          </a:ln>
-        </p:spPr>
-        <p:style>
-          <a:lnRef idx="1">
-            <a:schemeClr val="accent1"/>
-          </a:lnRef>
-          <a:fillRef idx="0">
-            <a:schemeClr val="accent1"/>
-          </a:fillRef>
-          <a:effectRef idx="0">
-            <a:schemeClr val="accent1"/>
-          </a:effectRef>
-          <a:fontRef idx="minor">
-            <a:schemeClr val="tx1"/>
-          </a:fontRef>
-        </p:style>
-      </p:cxnSp>
-      <p:cxnSp>
-        <p:nvCxnSpPr>
-          <p:cNvPr id="16" name="Straight Arrow Connector 15">
-            <a:extLst>
-              <a:ext uri="{FF2B5EF4-FFF2-40B4-BE49-F238E27FC236}">
-                <a16:creationId xmlns:a16="http://schemas.microsoft.com/office/drawing/2014/main" id="{9FEA3016-6331-5A49-A88B-B36BA61AB7F7}"/>
-              </a:ext>
-            </a:extLst>
-          </p:cNvPr>
-          <p:cNvCxnSpPr/>
-          <p:nvPr/>
-        </p:nvCxnSpPr>
-        <p:spPr>
-          <a:xfrm flipH="1">
-            <a:off x="7046912" y="3859173"/>
-            <a:ext cx="1537018" cy="729979"/>
-          </a:xfrm>
-          <a:prstGeom prst="straightConnector1">
-            <a:avLst/>
-          </a:prstGeom>
-          <a:ln>
-            <a:tailEnd type="triangle"/>
-          </a:ln>
-        </p:spPr>
-        <p:style>
-          <a:lnRef idx="1">
-            <a:schemeClr val="accent1"/>
-          </a:lnRef>
-          <a:fillRef idx="0">
-            <a:schemeClr val="accent1"/>
-          </a:fillRef>
-          <a:effectRef idx="0">
-            <a:schemeClr val="accent1"/>
-          </a:effectRef>
-          <a:fontRef idx="minor">
-            <a:schemeClr val="tx1"/>
-          </a:fontRef>
-        </p:style>
-      </p:cxnSp>
-    </p:spTree>
-    <p:extLst>
-      <p:ext uri="{BB962C8B-B14F-4D97-AF65-F5344CB8AC3E}">
-        <p14:creationId xmlns:p14="http://schemas.microsoft.com/office/powerpoint/2010/main" val="1383323255"/>
-      </p:ext>
-    </p:extLst>
-  </p:cSld>
-  <p:clrMapOvr>
-    <a:masterClrMapping/>
-  </p:clrMapOvr>
-</p:sld>
-</file>
-
 <file path=ppt/slides/slide9.xml><?xml version="1.0" encoding="utf-8"?>
 <p:sld xmlns:a="http://schemas.openxmlformats.org/drawingml/2006/main" xmlns:r="http://schemas.openxmlformats.org/officeDocument/2006/relationships" xmlns:p="http://schemas.openxmlformats.org/presentationml/2006/main">
   <p:cSld>
@@ -10041,7 +10931,7 @@
           <p:cNvPr id="2" name="Title 1">
             <a:extLst>
               <a:ext uri="{FF2B5EF4-FFF2-40B4-BE49-F238E27FC236}">
-                <a16:creationId xmlns:a16="http://schemas.microsoft.com/office/drawing/2014/main" id="{DE4DEE4E-B62B-E645-B8B9-ED955CAB07DE}"/>
+                <a16:creationId xmlns:a16="http://schemas.microsoft.com/office/drawing/2014/main" id="{DF85496E-535C-654A-8828-5FC9AE4CCD3E}"/>
               </a:ext>
             </a:extLst>
           </p:cNvPr>
@@ -10054,26 +10944,16 @@
         </p:nvSpPr>
         <p:spPr/>
         <p:txBody>
-          <a:bodyPr>
-            <a:normAutofit/>
-          </a:bodyPr>
-          <a:lstStyle/>
-          <a:p>
-            <a:r>
-              <a:rPr lang="en-US" dirty="0"/>
-              <a:t>Single Source Of Truth </a:t>
+          <a:bodyPr/>
+          <a:lstStyle/>
+          <a:p>
+            <a:r>
+              <a:rPr lang="en-US" dirty="0"/>
+              <a:t>MVVM</a:t>
             </a:r>
             <a:br>
               <a:rPr lang="en-US" dirty="0"/>
             </a:br>
-            <a:r>
-              <a:rPr lang="en-US" dirty="0"/>
-              <a:t>(</a:t>
-            </a:r>
-            <a:r>
-              <a:rPr lang="en-IN" dirty="0"/>
-              <a:t>Drive UI from a model)</a:t>
-            </a:r>
             <a:endParaRPr lang="en-US" dirty="0"/>
           </a:p>
         </p:txBody>
@@ -10083,7 +10963,7 @@
           <p:cNvPr id="3" name="Content Placeholder 2">
             <a:extLst>
               <a:ext uri="{FF2B5EF4-FFF2-40B4-BE49-F238E27FC236}">
-                <a16:creationId xmlns:a16="http://schemas.microsoft.com/office/drawing/2014/main" id="{551823B7-581E-6E4B-8A36-F4C9BFAB4A0C}"/>
+                <a16:creationId xmlns:a16="http://schemas.microsoft.com/office/drawing/2014/main" id="{B5119512-2E64-2446-9F67-4A8A4139CBD6}"/>
               </a:ext>
             </a:extLst>
           </p:cNvPr>
@@ -10094,110 +10974,290 @@
             <p:ph idx="1"/>
           </p:nvPr>
         </p:nvSpPr>
-        <p:spPr/>
-        <p:txBody>
-          <a:bodyPr>
-            <a:normAutofit lnSpcReduction="10000"/>
+        <p:spPr>
+          <a:xfrm>
+            <a:off x="2589212" y="2133600"/>
+            <a:ext cx="8915400" cy="3777622"/>
+          </a:xfrm>
+        </p:spPr>
+        <p:txBody>
+          <a:bodyPr/>
+          <a:lstStyle/>
+          <a:p>
+            <a:r>
+              <a:rPr lang="en-US" dirty="0"/>
+              <a:t>	</a:t>
+            </a:r>
+          </a:p>
+        </p:txBody>
+      </p:sp>
+      <p:sp>
+        <p:nvSpPr>
+          <p:cNvPr id="4" name="Rectangle 3">
+            <a:extLst>
+              <a:ext uri="{FF2B5EF4-FFF2-40B4-BE49-F238E27FC236}">
+                <a16:creationId xmlns:a16="http://schemas.microsoft.com/office/drawing/2014/main" id="{A380178C-9626-664A-884F-D03893CEB65A}"/>
+              </a:ext>
+            </a:extLst>
+          </p:cNvPr>
+          <p:cNvSpPr/>
+          <p:nvPr/>
+        </p:nvSpPr>
+        <p:spPr>
+          <a:xfrm>
+            <a:off x="2875547" y="2839453"/>
+            <a:ext cx="2286000" cy="2033336"/>
+          </a:xfrm>
+          <a:prstGeom prst="rect">
+            <a:avLst/>
+          </a:prstGeom>
+        </p:spPr>
+        <p:style>
+          <a:lnRef idx="2">
+            <a:schemeClr val="accent1">
+              <a:shade val="50000"/>
+            </a:schemeClr>
+          </a:lnRef>
+          <a:fillRef idx="1">
+            <a:schemeClr val="accent1"/>
+          </a:fillRef>
+          <a:effectRef idx="0">
+            <a:schemeClr val="accent1"/>
+          </a:effectRef>
+          <a:fontRef idx="minor">
+            <a:schemeClr val="lt1"/>
+          </a:fontRef>
+        </p:style>
+        <p:txBody>
+          <a:bodyPr rtlCol="0" anchor="ctr"/>
+          <a:lstStyle/>
+          <a:p>
+            <a:pPr algn="ctr"/>
+            <a:r>
+              <a:rPr lang="en-US" dirty="0" err="1"/>
+              <a:t>Activity_userlist.xml</a:t>
+            </a:r>
+            <a:endParaRPr lang="en-US" dirty="0"/>
+          </a:p>
+          <a:p>
+            <a:pPr algn="ctr"/>
+            <a:r>
+              <a:rPr lang="en-US" dirty="0" err="1"/>
+              <a:t>UserListActivity</a:t>
+            </a:r>
+            <a:endParaRPr lang="en-US" dirty="0"/>
+          </a:p>
+        </p:txBody>
+      </p:sp>
+      <p:sp>
+        <p:nvSpPr>
+          <p:cNvPr id="5" name="Rectangle 4">
+            <a:extLst>
+              <a:ext uri="{FF2B5EF4-FFF2-40B4-BE49-F238E27FC236}">
+                <a16:creationId xmlns:a16="http://schemas.microsoft.com/office/drawing/2014/main" id="{44153B83-E97B-3C44-856A-70D5EF8D8A4B}"/>
+              </a:ext>
+            </a:extLst>
+          </p:cNvPr>
+          <p:cNvSpPr/>
+          <p:nvPr/>
+        </p:nvSpPr>
+        <p:spPr>
+          <a:xfrm>
+            <a:off x="6169572" y="2839453"/>
+            <a:ext cx="2306675" cy="2021306"/>
+          </a:xfrm>
+          <a:prstGeom prst="rect">
+            <a:avLst/>
+          </a:prstGeom>
+        </p:spPr>
+        <p:style>
+          <a:lnRef idx="2">
+            <a:schemeClr val="accent1">
+              <a:shade val="50000"/>
+            </a:schemeClr>
+          </a:lnRef>
+          <a:fillRef idx="1">
+            <a:schemeClr val="accent1"/>
+          </a:fillRef>
+          <a:effectRef idx="0">
+            <a:schemeClr val="accent1"/>
+          </a:effectRef>
+          <a:fontRef idx="minor">
+            <a:schemeClr val="lt1"/>
+          </a:fontRef>
+        </p:style>
+        <p:txBody>
+          <a:bodyPr rtlCol="0" anchor="ctr"/>
+          <a:lstStyle/>
+          <a:p>
+            <a:pPr algn="ctr"/>
+            <a:r>
+              <a:rPr lang="en-US" dirty="0" err="1"/>
+              <a:t>UserListViewModel</a:t>
+            </a:r>
+            <a:endParaRPr lang="en-US" dirty="0"/>
+          </a:p>
+        </p:txBody>
+      </p:sp>
+      <p:sp>
+        <p:nvSpPr>
+          <p:cNvPr id="6" name="Rectangle 5">
+            <a:extLst>
+              <a:ext uri="{FF2B5EF4-FFF2-40B4-BE49-F238E27FC236}">
+                <a16:creationId xmlns:a16="http://schemas.microsoft.com/office/drawing/2014/main" id="{2B6DAB82-03BF-3F4D-8443-38371A75D1D9}"/>
+              </a:ext>
+            </a:extLst>
+          </p:cNvPr>
+          <p:cNvSpPr/>
+          <p:nvPr/>
+        </p:nvSpPr>
+        <p:spPr>
+          <a:xfrm>
+            <a:off x="9432172" y="2839453"/>
+            <a:ext cx="1756611" cy="2033336"/>
+          </a:xfrm>
+          <a:prstGeom prst="rect">
+            <a:avLst/>
+          </a:prstGeom>
+        </p:spPr>
+        <p:style>
+          <a:lnRef idx="2">
+            <a:schemeClr val="accent1">
+              <a:shade val="50000"/>
+            </a:schemeClr>
+          </a:lnRef>
+          <a:fillRef idx="1">
+            <a:schemeClr val="accent1"/>
+          </a:fillRef>
+          <a:effectRef idx="0">
+            <a:schemeClr val="accent1"/>
+          </a:effectRef>
+          <a:fontRef idx="minor">
+            <a:schemeClr val="lt1"/>
+          </a:fontRef>
+        </p:style>
+        <p:txBody>
+          <a:bodyPr rtlCol="0" anchor="ctr"/>
+          <a:lstStyle/>
+          <a:p>
+            <a:pPr algn="ctr"/>
+            <a:r>
+              <a:rPr lang="en-US" dirty="0"/>
+              <a:t>User</a:t>
+            </a:r>
+          </a:p>
+        </p:txBody>
+      </p:sp>
+      <p:sp>
+        <p:nvSpPr>
+          <p:cNvPr id="7" name="TextBox 6">
+            <a:extLst>
+              <a:ext uri="{FF2B5EF4-FFF2-40B4-BE49-F238E27FC236}">
+                <a16:creationId xmlns:a16="http://schemas.microsoft.com/office/drawing/2014/main" id="{6F2043A2-5476-4941-B393-4CF748BF747C}"/>
+              </a:ext>
+            </a:extLst>
+          </p:cNvPr>
+          <p:cNvSpPr txBox="1"/>
+          <p:nvPr/>
+        </p:nvSpPr>
+        <p:spPr>
+          <a:xfrm>
+            <a:off x="6771270" y="2241521"/>
+            <a:ext cx="1454244" cy="369332"/>
+          </a:xfrm>
+          <a:prstGeom prst="rect">
+            <a:avLst/>
+          </a:prstGeom>
+          <a:noFill/>
+        </p:spPr>
+        <p:txBody>
+          <a:bodyPr wrap="none" rtlCol="0">
+            <a:spAutoFit/>
           </a:bodyPr>
           <a:lstStyle/>
           <a:p>
             <a:r>
               <a:rPr lang="en-US" dirty="0" err="1"/>
-              <a:t>UserList</a:t>
-            </a:r>
-            <a:r>
-              <a:rPr lang="en-US" dirty="0"/>
-              <a:t> screen – we show data from </a:t>
-            </a:r>
-            <a:r>
-              <a:rPr lang="en-US" dirty="0" err="1"/>
-              <a:t>localDB</a:t>
-            </a:r>
-            <a:r>
-              <a:rPr lang="en-US" dirty="0"/>
-              <a:t> (name and email)</a:t>
-            </a:r>
-          </a:p>
-          <a:p>
-            <a:r>
-              <a:rPr lang="en-US" dirty="0"/>
-              <a:t>User goes to </a:t>
-            </a:r>
-            <a:r>
-              <a:rPr lang="en-US" dirty="0" err="1"/>
-              <a:t>UserDetail</a:t>
-            </a:r>
-            <a:r>
-              <a:rPr lang="en-US" dirty="0"/>
-              <a:t> screen – we call API to get details (email has been changed)</a:t>
-            </a:r>
-          </a:p>
-          <a:p>
-            <a:endParaRPr lang="en-US" dirty="0"/>
-          </a:p>
-          <a:p>
-            <a:r>
-              <a:rPr lang="en-US" dirty="0"/>
-              <a:t>If user goes back to </a:t>
-            </a:r>
-            <a:r>
-              <a:rPr lang="en-US" dirty="0" err="1"/>
-              <a:t>UserList</a:t>
-            </a:r>
-            <a:r>
-              <a:rPr lang="en-US" dirty="0"/>
-              <a:t> screen - inconsistent data</a:t>
-            </a:r>
-          </a:p>
-          <a:p>
-            <a:endParaRPr lang="en-US" dirty="0"/>
-          </a:p>
-          <a:p>
-            <a:r>
-              <a:rPr lang="en-US" dirty="0"/>
-              <a:t>Solution – UI should always reflect data in the </a:t>
-            </a:r>
-            <a:r>
-              <a:rPr lang="en-US" dirty="0" err="1"/>
-              <a:t>localDB</a:t>
-            </a:r>
-            <a:r>
-              <a:rPr lang="en-US" dirty="0"/>
-              <a:t>. </a:t>
-            </a:r>
-            <a:r>
-              <a:rPr lang="en-US" dirty="0" err="1"/>
-              <a:t>localDB</a:t>
-            </a:r>
-            <a:r>
-              <a:rPr lang="en-US" dirty="0"/>
-              <a:t> is the single source of truth. When we call the API, we can immediately update </a:t>
-            </a:r>
-            <a:r>
-              <a:rPr lang="en-US" dirty="0" err="1"/>
-              <a:t>localDB</a:t>
-            </a:r>
-            <a:r>
-              <a:rPr lang="en-US" dirty="0"/>
-              <a:t>.</a:t>
-            </a:r>
-          </a:p>
-          <a:p>
-            <a:endParaRPr lang="en-US" dirty="0"/>
-          </a:p>
-          <a:p>
-            <a:r>
-              <a:rPr lang="en-IN" dirty="0"/>
-              <a:t>App continues to work in cases when a network connection is flaky or not available.</a:t>
-            </a:r>
-            <a:endParaRPr lang="en-US" dirty="0"/>
+              <a:t>ViewModel</a:t>
+            </a:r>
+            <a:endParaRPr lang="en-US" dirty="0"/>
+          </a:p>
+        </p:txBody>
+      </p:sp>
+      <p:sp>
+        <p:nvSpPr>
+          <p:cNvPr id="8" name="TextBox 7">
+            <a:extLst>
+              <a:ext uri="{FF2B5EF4-FFF2-40B4-BE49-F238E27FC236}">
+                <a16:creationId xmlns:a16="http://schemas.microsoft.com/office/drawing/2014/main" id="{E3E9599E-020C-D747-88B7-BF888F70E904}"/>
+              </a:ext>
+            </a:extLst>
+          </p:cNvPr>
+          <p:cNvSpPr txBox="1"/>
+          <p:nvPr/>
+        </p:nvSpPr>
+        <p:spPr>
+          <a:xfrm>
+            <a:off x="3550436" y="2241521"/>
+            <a:ext cx="736099" cy="369332"/>
+          </a:xfrm>
+          <a:prstGeom prst="rect">
+            <a:avLst/>
+          </a:prstGeom>
+          <a:noFill/>
+        </p:spPr>
+        <p:txBody>
+          <a:bodyPr wrap="none" rtlCol="0">
+            <a:spAutoFit/>
+          </a:bodyPr>
+          <a:lstStyle/>
+          <a:p>
+            <a:r>
+              <a:rPr lang="en-US" dirty="0"/>
+              <a:t>View</a:t>
+            </a:r>
+          </a:p>
+        </p:txBody>
+      </p:sp>
+      <p:sp>
+        <p:nvSpPr>
+          <p:cNvPr id="9" name="TextBox 8">
+            <a:extLst>
+              <a:ext uri="{FF2B5EF4-FFF2-40B4-BE49-F238E27FC236}">
+                <a16:creationId xmlns:a16="http://schemas.microsoft.com/office/drawing/2014/main" id="{39AD553F-39C5-E643-817A-268338726E02}"/>
+              </a:ext>
+            </a:extLst>
+          </p:cNvPr>
+          <p:cNvSpPr txBox="1"/>
+          <p:nvPr/>
+        </p:nvSpPr>
+        <p:spPr>
+          <a:xfrm>
+            <a:off x="9745579" y="2171155"/>
+            <a:ext cx="902811" cy="369332"/>
+          </a:xfrm>
+          <a:prstGeom prst="rect">
+            <a:avLst/>
+          </a:prstGeom>
+          <a:noFill/>
+        </p:spPr>
+        <p:txBody>
+          <a:bodyPr wrap="none" rtlCol="0">
+            <a:spAutoFit/>
+          </a:bodyPr>
+          <a:lstStyle/>
+          <a:p>
+            <a:r>
+              <a:rPr lang="en-US" dirty="0"/>
+              <a:t>Model</a:t>
+            </a:r>
           </a:p>
         </p:txBody>
       </p:sp>
     </p:spTree>
     <p:extLst>
       <p:ext uri="{BB962C8B-B14F-4D97-AF65-F5344CB8AC3E}">
-        <p14:creationId xmlns:p14="http://schemas.microsoft.com/office/powerpoint/2010/main" val="854499415"/>
+        <p14:creationId xmlns:p14="http://schemas.microsoft.com/office/powerpoint/2010/main" val="3514009545"/>
       </p:ext>
     </p:extLst>
   </p:cSld>

--- a/Jetpack.pptx
+++ b/Jetpack.pptx
@@ -17,13 +17,15 @@
     <p:sldId id="262" r:id="rId11"/>
     <p:sldId id="263" r:id="rId12"/>
     <p:sldId id="264" r:id="rId13"/>
-    <p:sldId id="265" r:id="rId14"/>
-    <p:sldId id="266" r:id="rId15"/>
-    <p:sldId id="275" r:id="rId16"/>
-    <p:sldId id="267" r:id="rId17"/>
-    <p:sldId id="268" r:id="rId18"/>
-    <p:sldId id="269" r:id="rId19"/>
-    <p:sldId id="270" r:id="rId20"/>
+    <p:sldId id="276" r:id="rId14"/>
+    <p:sldId id="265" r:id="rId15"/>
+    <p:sldId id="266" r:id="rId16"/>
+    <p:sldId id="275" r:id="rId17"/>
+    <p:sldId id="277" r:id="rId18"/>
+    <p:sldId id="267" r:id="rId19"/>
+    <p:sldId id="268" r:id="rId20"/>
+    <p:sldId id="269" r:id="rId21"/>
+    <p:sldId id="270" r:id="rId22"/>
   </p:sldIdLst>
   <p:sldSz cx="12192000" cy="6858000"/>
   <p:notesSz cx="6858000" cy="9144000"/>
@@ -8306,20 +8308,8 @@
           <a:p>
             <a:r>
               <a:rPr lang="en-US" dirty="0"/>
-              <a:t>Single Source Of Truth </a:t>
-            </a:r>
-            <a:br>
-              <a:rPr lang="en-US" dirty="0"/>
-            </a:br>
-            <a:r>
-              <a:rPr lang="en-US" dirty="0"/>
-              <a:t>(</a:t>
-            </a:r>
-            <a:r>
-              <a:rPr lang="en-IN" dirty="0"/>
-              <a:t>Drive UI from a model)</a:t>
-            </a:r>
-            <a:endParaRPr lang="en-US" dirty="0"/>
+              <a:t>Scenario</a:t>
+            </a:r>
           </a:p>
         </p:txBody>
       </p:sp>
@@ -8346,12 +8336,6 @@
           </a:bodyPr>
           <a:lstStyle/>
           <a:p>
-            <a:r>
-              <a:rPr lang="en-US" dirty="0"/>
-              <a:t>Scenario:</a:t>
-            </a:r>
-          </a:p>
-          <a:p>
             <a:pPr lvl="1"/>
             <a:r>
               <a:rPr lang="en-US" dirty="0" err="1"/>
@@ -8380,6 +8364,10 @@
           </a:p>
           <a:p>
             <a:pPr lvl="1"/>
+            <a:endParaRPr lang="en-US" dirty="0"/>
+          </a:p>
+          <a:p>
+            <a:pPr lvl="1"/>
             <a:r>
               <a:rPr lang="en-US" dirty="0"/>
               <a:t>User goes to </a:t>
@@ -8403,6 +8391,10 @@
           </a:p>
           <a:p>
             <a:pPr lvl="1"/>
+            <a:endParaRPr lang="en-US" dirty="0"/>
+          </a:p>
+          <a:p>
+            <a:pPr lvl="1"/>
             <a:r>
               <a:rPr lang="en-US" dirty="0"/>
               <a:t>If user goes back to </a:t>
@@ -8417,44 +8409,6 @@
             </a:r>
           </a:p>
           <a:p>
-            <a:endParaRPr lang="en-US" dirty="0"/>
-          </a:p>
-          <a:p>
-            <a:r>
-              <a:rPr lang="en-US" dirty="0"/>
-              <a:t>Solution – UI should always reflect data in the </a:t>
-            </a:r>
-            <a:r>
-              <a:rPr lang="en-US" dirty="0" err="1"/>
-              <a:t>localDB</a:t>
-            </a:r>
-            <a:r>
-              <a:rPr lang="en-US" dirty="0"/>
-              <a:t>. </a:t>
-            </a:r>
-            <a:r>
-              <a:rPr lang="en-US" dirty="0" err="1"/>
-              <a:t>localDB</a:t>
-            </a:r>
-            <a:r>
-              <a:rPr lang="en-US" dirty="0"/>
-              <a:t> is the single source of truth. When we call the API, we can immediately update </a:t>
-            </a:r>
-            <a:r>
-              <a:rPr lang="en-US" dirty="0" err="1"/>
-              <a:t>localDB</a:t>
-            </a:r>
-            <a:r>
-              <a:rPr lang="en-US" dirty="0"/>
-              <a:t>.</a:t>
-            </a:r>
-          </a:p>
-          <a:p>
-            <a:pPr lvl="1"/>
-            <a:r>
-              <a:rPr lang="en-IN" dirty="0"/>
-              <a:t>App continues to work in cases when a network connection is flaky or not available.</a:t>
-            </a:r>
             <a:endParaRPr lang="en-US" dirty="0"/>
           </a:p>
         </p:txBody>
@@ -8494,6 +8448,154 @@
           <p:cNvPr id="2" name="Title 1">
             <a:extLst>
               <a:ext uri="{FF2B5EF4-FFF2-40B4-BE49-F238E27FC236}">
+                <a16:creationId xmlns:a16="http://schemas.microsoft.com/office/drawing/2014/main" id="{5644C75F-C692-F54F-A462-A9702CBDEDD6}"/>
+              </a:ext>
+            </a:extLst>
+          </p:cNvPr>
+          <p:cNvSpPr>
+            <a:spLocks noGrp="1"/>
+          </p:cNvSpPr>
+          <p:nvPr>
+            <p:ph type="title"/>
+          </p:nvPr>
+        </p:nvSpPr>
+        <p:spPr/>
+        <p:txBody>
+          <a:bodyPr/>
+          <a:lstStyle/>
+          <a:p>
+            <a:r>
+              <a:rPr lang="en-US" dirty="0"/>
+              <a:t>Single Source Of Truth </a:t>
+            </a:r>
+            <a:br>
+              <a:rPr lang="en-US" dirty="0"/>
+            </a:br>
+            <a:r>
+              <a:rPr lang="en-US" dirty="0"/>
+              <a:t>(</a:t>
+            </a:r>
+            <a:r>
+              <a:rPr lang="en-IN" dirty="0"/>
+              <a:t>Drive UI from a model)</a:t>
+            </a:r>
+            <a:endParaRPr lang="en-US" dirty="0"/>
+          </a:p>
+        </p:txBody>
+      </p:sp>
+      <p:sp>
+        <p:nvSpPr>
+          <p:cNvPr id="3" name="Content Placeholder 2">
+            <a:extLst>
+              <a:ext uri="{FF2B5EF4-FFF2-40B4-BE49-F238E27FC236}">
+                <a16:creationId xmlns:a16="http://schemas.microsoft.com/office/drawing/2014/main" id="{57F02EFB-6BB5-F946-9A9D-FBFC10AA946D}"/>
+              </a:ext>
+            </a:extLst>
+          </p:cNvPr>
+          <p:cNvSpPr>
+            <a:spLocks noGrp="1"/>
+          </p:cNvSpPr>
+          <p:nvPr>
+            <p:ph idx="1"/>
+          </p:nvPr>
+        </p:nvSpPr>
+        <p:spPr/>
+        <p:txBody>
+          <a:bodyPr/>
+          <a:lstStyle/>
+          <a:p>
+            <a:r>
+              <a:rPr lang="en-US" dirty="0"/>
+              <a:t>UI should always reflect data in the </a:t>
+            </a:r>
+            <a:r>
+              <a:rPr lang="en-US" dirty="0" err="1"/>
+              <a:t>localDB</a:t>
+            </a:r>
+            <a:r>
+              <a:rPr lang="en-US" dirty="0"/>
+              <a:t>. </a:t>
+            </a:r>
+            <a:r>
+              <a:rPr lang="en-US" dirty="0" err="1"/>
+              <a:t>localDB</a:t>
+            </a:r>
+            <a:r>
+              <a:rPr lang="en-US" dirty="0"/>
+              <a:t> is the single source of truth. When we call the API, we can immediately update </a:t>
+            </a:r>
+            <a:r>
+              <a:rPr lang="en-US" dirty="0" err="1"/>
+              <a:t>localDB</a:t>
+            </a:r>
+            <a:r>
+              <a:rPr lang="en-US" dirty="0"/>
+              <a:t>.</a:t>
+            </a:r>
+          </a:p>
+          <a:p>
+            <a:pPr lvl="1"/>
+            <a:r>
+              <a:rPr lang="en-IN" dirty="0"/>
+              <a:t>App continues to work in cases when a network connection is flaky or not available.</a:t>
+            </a:r>
+            <a:endParaRPr lang="en-US" dirty="0"/>
+          </a:p>
+          <a:p>
+            <a:endParaRPr lang="en-US" dirty="0"/>
+          </a:p>
+          <a:p>
+            <a:endParaRPr lang="en-US" dirty="0"/>
+          </a:p>
+          <a:p>
+            <a:endParaRPr lang="en-US" dirty="0"/>
+          </a:p>
+          <a:p>
+            <a:r>
+              <a:rPr lang="en-US" dirty="0"/>
+              <a:t>Is this enough ?</a:t>
+            </a:r>
+          </a:p>
+          <a:p>
+            <a:endParaRPr lang="en-US" dirty="0"/>
+          </a:p>
+        </p:txBody>
+      </p:sp>
+    </p:spTree>
+    <p:extLst>
+      <p:ext uri="{BB962C8B-B14F-4D97-AF65-F5344CB8AC3E}">
+        <p14:creationId xmlns:p14="http://schemas.microsoft.com/office/powerpoint/2010/main" val="1790549512"/>
+      </p:ext>
+    </p:extLst>
+  </p:cSld>
+  <p:clrMapOvr>
+    <a:masterClrMapping/>
+  </p:clrMapOvr>
+</p:sld>
+</file>
+
+<file path=ppt/slides/slide14.xml><?xml version="1.0" encoding="utf-8"?>
+<p:sld xmlns:a="http://schemas.openxmlformats.org/drawingml/2006/main" xmlns:r="http://schemas.openxmlformats.org/officeDocument/2006/relationships" xmlns:p="http://schemas.openxmlformats.org/presentationml/2006/main">
+  <p:cSld>
+    <p:spTree>
+      <p:nvGrpSpPr>
+        <p:cNvPr id="1" name=""/>
+        <p:cNvGrpSpPr/>
+        <p:nvPr/>
+      </p:nvGrpSpPr>
+      <p:grpSpPr>
+        <a:xfrm>
+          <a:off x="0" y="0"/>
+          <a:ext cx="0" cy="0"/>
+          <a:chOff x="0" y="0"/>
+          <a:chExt cx="0" cy="0"/>
+        </a:xfrm>
+      </p:grpSpPr>
+      <p:sp>
+        <p:nvSpPr>
+          <p:cNvPr id="2" name="Title 1">
+            <a:extLst>
+              <a:ext uri="{FF2B5EF4-FFF2-40B4-BE49-F238E27FC236}">
                 <a16:creationId xmlns:a16="http://schemas.microsoft.com/office/drawing/2014/main" id="{889DA2CE-3BBD-5E45-9E4D-ADEF9F6FA320}"/>
               </a:ext>
             </a:extLst>
@@ -8508,44 +8610,17 @@
         <p:spPr/>
         <p:txBody>
           <a:bodyPr>
-            <a:normAutofit fontScale="90000"/>
+            <a:normAutofit/>
           </a:bodyPr>
           <a:lstStyle/>
           <a:p>
-            <a:r>
-              <a:rPr lang="en-US" dirty="0"/>
-              <a:t>What if UI could observe </a:t>
-            </a:r>
-            <a:r>
-              <a:rPr lang="en-US" dirty="0" err="1"/>
-              <a:t>localDB</a:t>
-            </a:r>
-            <a:r>
-              <a:rPr lang="en-US" dirty="0"/>
-              <a:t>?</a:t>
-            </a:r>
             <a:br>
               <a:rPr lang="en-US" dirty="0"/>
             </a:br>
-            <a:br>
-              <a:rPr lang="en-US" dirty="0"/>
-            </a:br>
-            <a:r>
-              <a:rPr lang="en-US" dirty="0"/>
-              <a:t>Can UI be updated whenever there is a change in </a:t>
-            </a:r>
-            <a:r>
-              <a:rPr lang="en-US" dirty="0" err="1"/>
-              <a:t>localDB</a:t>
-            </a:r>
-            <a:r>
-              <a:rPr lang="en-US" dirty="0"/>
-              <a:t>?</a:t>
-            </a:r>
-            <a:br>
-              <a:rPr lang="en-US" dirty="0"/>
-            </a:br>
-            <a:endParaRPr lang="en-US" dirty="0"/>
+            <a:r>
+              <a:rPr lang="en-US" dirty="0"/>
+              <a:t>Observer pattern</a:t>
+            </a:r>
           </a:p>
         </p:txBody>
       </p:sp>
@@ -8573,7 +8648,39 @@
             <a:endParaRPr lang="en-US" dirty="0"/>
           </a:p>
           <a:p>
-            <a:endParaRPr lang="en-US" dirty="0"/>
+            <a:r>
+              <a:rPr lang="en-US" dirty="0"/>
+              <a:t>What if UI could observe </a:t>
+            </a:r>
+            <a:r>
+              <a:rPr lang="en-US" dirty="0" err="1"/>
+              <a:t>localDB</a:t>
+            </a:r>
+            <a:r>
+              <a:rPr lang="en-US" dirty="0"/>
+              <a:t>?</a:t>
+            </a:r>
+            <a:br>
+              <a:rPr lang="en-US" dirty="0"/>
+            </a:br>
+            <a:br>
+              <a:rPr lang="en-US" dirty="0"/>
+            </a:br>
+            <a:endParaRPr lang="en-US" dirty="0"/>
+          </a:p>
+          <a:p>
+            <a:r>
+              <a:rPr lang="en-US" dirty="0"/>
+              <a:t>Can UI be updated whenever there is a change in </a:t>
+            </a:r>
+            <a:r>
+              <a:rPr lang="en-US" dirty="0" err="1"/>
+              <a:t>localDB</a:t>
+            </a:r>
+            <a:r>
+              <a:rPr lang="en-US" dirty="0"/>
+              <a:t>?</a:t>
+            </a:r>
           </a:p>
         </p:txBody>
       </p:sp>
@@ -8590,7 +8697,7 @@
 </p:sld>
 </file>
 
-<file path=ppt/slides/slide14.xml><?xml version="1.0" encoding="utf-8"?>
+<file path=ppt/slides/slide15.xml><?xml version="1.0" encoding="utf-8"?>
 <p:sld xmlns:a="http://schemas.openxmlformats.org/drawingml/2006/main" xmlns:r="http://schemas.openxmlformats.org/officeDocument/2006/relationships" xmlns:p="http://schemas.openxmlformats.org/presentationml/2006/main">
   <p:cSld>
     <p:spTree>
@@ -8793,7 +8900,7 @@
 </p:sld>
 </file>
 
-<file path=ppt/slides/slide15.xml><?xml version="1.0" encoding="utf-8"?>
+<file path=ppt/slides/slide16.xml><?xml version="1.0" encoding="utf-8"?>
 <p:sld xmlns:a="http://schemas.openxmlformats.org/drawingml/2006/main" xmlns:r="http://schemas.openxmlformats.org/officeDocument/2006/relationships" xmlns:p="http://schemas.openxmlformats.org/presentationml/2006/main">
   <p:cSld>
     <p:spTree>
@@ -8856,102 +8963,57 @@
         </p:nvSpPr>
         <p:spPr>
           <a:xfrm>
-            <a:off x="2589212" y="1187669"/>
-            <a:ext cx="8915400" cy="4723553"/>
+            <a:off x="2589212" y="1783080"/>
+            <a:ext cx="8915400" cy="4128142"/>
           </a:xfrm>
         </p:spPr>
         <p:txBody>
           <a:bodyPr>
-            <a:normAutofit fontScale="70000" lnSpcReduction="20000"/>
+            <a:normAutofit/>
           </a:bodyPr>
           <a:lstStyle/>
           <a:p>
             <a:pPr marL="0" indent="0">
               <a:buNone/>
             </a:pPr>
-            <a:r>
-              <a:rPr lang="en-IN" b="1" dirty="0"/>
-              <a:t>Table</a:t>
-            </a:r>
+            <a:endParaRPr lang="en-US" dirty="0"/>
           </a:p>
           <a:p>
             <a:pPr marL="0" indent="0">
               <a:buNone/>
             </a:pPr>
             <a:r>
-              <a:rPr lang="en-IN" dirty="0"/>
-              <a:t>@Entity(</a:t>
-            </a:r>
-            <a:r>
-              <a:rPr lang="en-IN" dirty="0" err="1"/>
-              <a:t>tableName</a:t>
-            </a:r>
-            <a:r>
-              <a:rPr lang="en-IN" dirty="0"/>
-              <a:t> = "user")</a:t>
-            </a:r>
-            <a:br>
-              <a:rPr lang="en-IN" dirty="0"/>
-            </a:br>
-            <a:r>
-              <a:rPr lang="en-IN" dirty="0"/>
-              <a:t>public class User {</a:t>
-            </a:r>
-            <a:br>
-              <a:rPr lang="en-IN" dirty="0"/>
-            </a:br>
-            <a:br>
-              <a:rPr lang="en-IN" dirty="0"/>
-            </a:br>
-            <a:r>
-              <a:rPr lang="en-IN" dirty="0"/>
-              <a:t>    @</a:t>
-            </a:r>
-            <a:r>
-              <a:rPr lang="en-IN" dirty="0" err="1"/>
-              <a:t>PrimaryKey</a:t>
-            </a:r>
-            <a:br>
-              <a:rPr lang="en-IN" dirty="0"/>
-            </a:br>
-            <a:r>
-              <a:rPr lang="en-IN" dirty="0"/>
-              <a:t>    @</a:t>
-            </a:r>
-            <a:r>
-              <a:rPr lang="en-IN" dirty="0" err="1"/>
-              <a:t>NonNull</a:t>
-            </a:r>
-            <a:br>
-              <a:rPr lang="en-IN" dirty="0"/>
-            </a:br>
-            <a:r>
-              <a:rPr lang="en-IN" dirty="0"/>
-              <a:t>    private String id;</a:t>
-            </a:r>
+              <a:rPr lang="en-US" dirty="0"/>
+              <a:t>Abstraction over </a:t>
+            </a:r>
+            <a:r>
+              <a:rPr lang="en-US" dirty="0" err="1"/>
+              <a:t>Sqlite</a:t>
+            </a:r>
+            <a:endParaRPr lang="en-US" dirty="0"/>
           </a:p>
           <a:p>
             <a:pPr marL="0" indent="0">
               <a:buNone/>
             </a:pPr>
-            <a:r>
-              <a:rPr lang="en-IN" dirty="0"/>
-              <a:t>}</a:t>
-            </a:r>
+            <a:endParaRPr lang="en-US" dirty="0"/>
           </a:p>
           <a:p>
             <a:pPr marL="0" indent="0">
               <a:buNone/>
             </a:pPr>
-            <a:endParaRPr lang="en-IN" dirty="0"/>
+            <a:r>
+              <a:rPr lang="en-US" dirty="0"/>
+              <a:t>3 main components:</a:t>
+            </a:r>
           </a:p>
           <a:p>
             <a:pPr marL="0" indent="0">
               <a:buNone/>
             </a:pPr>
             <a:r>
-              <a:rPr lang="en-IN" b="1" dirty="0"/>
-              <a:t>DAO</a:t>
+              <a:rPr lang="en-US" dirty="0"/>
+              <a:t>Entity/Table,</a:t>
             </a:r>
           </a:p>
           <a:p>
@@ -8959,56 +9021,8 @@
               <a:buNone/>
             </a:pPr>
             <a:r>
-              <a:rPr lang="en-IN" dirty="0"/>
-              <a:t>@Dao</a:t>
-            </a:r>
-            <a:br>
-              <a:rPr lang="en-IN" dirty="0"/>
-            </a:br>
-            <a:r>
-              <a:rPr lang="en-IN" dirty="0"/>
-              <a:t>public interface </a:t>
-            </a:r>
-            <a:r>
-              <a:rPr lang="en-IN" dirty="0" err="1"/>
-              <a:t>UserDao</a:t>
-            </a:r>
-            <a:r>
-              <a:rPr lang="en-IN" dirty="0"/>
-              <a:t> {</a:t>
-            </a:r>
-            <a:br>
-              <a:rPr lang="en-IN" dirty="0"/>
-            </a:br>
-            <a:br>
-              <a:rPr lang="en-IN" dirty="0"/>
-            </a:br>
-            <a:r>
-              <a:rPr lang="en-IN" dirty="0"/>
-              <a:t>    @Query("SELECT * FROM user")</a:t>
-            </a:r>
-            <a:br>
-              <a:rPr lang="en-IN" dirty="0"/>
-            </a:br>
-            <a:r>
-              <a:rPr lang="en-IN" dirty="0"/>
-              <a:t>    </a:t>
-            </a:r>
-            <a:r>
-              <a:rPr lang="en-IN" dirty="0" err="1"/>
-              <a:t>LiveData</a:t>
-            </a:r>
-            <a:r>
-              <a:rPr lang="en-IN" dirty="0"/>
-              <a:t>&lt;List&lt;User&gt;&gt; </a:t>
-            </a:r>
-            <a:r>
-              <a:rPr lang="en-IN" dirty="0" err="1"/>
-              <a:t>getUsers</a:t>
-            </a:r>
-            <a:r>
-              <a:rPr lang="en-IN" dirty="0"/>
-              <a:t>();</a:t>
+              <a:rPr lang="en-US" dirty="0"/>
+              <a:t>DAO,</a:t>
             </a:r>
           </a:p>
           <a:p>
@@ -9016,95 +9030,9 @@
               <a:buNone/>
             </a:pPr>
             <a:r>
-              <a:rPr lang="en-IN" dirty="0"/>
-              <a:t>}</a:t>
-            </a:r>
-          </a:p>
-          <a:p>
-            <a:pPr marL="0" indent="0">
-              <a:buNone/>
-            </a:pPr>
-            <a:endParaRPr lang="en-IN" dirty="0"/>
-          </a:p>
-          <a:p>
-            <a:pPr marL="0" indent="0">
-              <a:buNone/>
-            </a:pPr>
-            <a:r>
-              <a:rPr lang="en-IN" b="1" dirty="0"/>
+              <a:rPr lang="en-US" dirty="0"/>
               <a:t>Database</a:t>
             </a:r>
-          </a:p>
-          <a:p>
-            <a:pPr marL="0" indent="0">
-              <a:buNone/>
-            </a:pPr>
-            <a:r>
-              <a:rPr lang="en-IN" dirty="0"/>
-              <a:t>@Database(entities = {</a:t>
-            </a:r>
-            <a:r>
-              <a:rPr lang="en-IN" dirty="0" err="1"/>
-              <a:t>User.class</a:t>
-            </a:r>
-            <a:r>
-              <a:rPr lang="en-IN" dirty="0"/>
-              <a:t>}, version = 1)</a:t>
-            </a:r>
-            <a:br>
-              <a:rPr lang="en-IN" dirty="0"/>
-            </a:br>
-            <a:r>
-              <a:rPr lang="en-IN" dirty="0"/>
-              <a:t>public abstract class </a:t>
-            </a:r>
-            <a:r>
-              <a:rPr lang="en-IN" dirty="0" err="1"/>
-              <a:t>AppDatabase</a:t>
-            </a:r>
-            <a:r>
-              <a:rPr lang="en-IN" dirty="0"/>
-              <a:t> extends </a:t>
-            </a:r>
-            <a:r>
-              <a:rPr lang="en-IN" dirty="0" err="1"/>
-              <a:t>RoomDatabase</a:t>
-            </a:r>
-            <a:r>
-              <a:rPr lang="en-IN" dirty="0"/>
-              <a:t> {</a:t>
-            </a:r>
-            <a:br>
-              <a:rPr lang="en-IN" dirty="0"/>
-            </a:br>
-            <a:r>
-              <a:rPr lang="en-IN" dirty="0"/>
-              <a:t>    public abstract </a:t>
-            </a:r>
-            <a:r>
-              <a:rPr lang="en-IN" dirty="0" err="1"/>
-              <a:t>UserDao</a:t>
-            </a:r>
-            <a:r>
-              <a:rPr lang="en-IN" dirty="0"/>
-              <a:t> </a:t>
-            </a:r>
-            <a:r>
-              <a:rPr lang="en-IN" dirty="0" err="1"/>
-              <a:t>userDao</a:t>
-            </a:r>
-            <a:r>
-              <a:rPr lang="en-IN" dirty="0"/>
-              <a:t>();</a:t>
-            </a:r>
-            <a:br>
-              <a:rPr lang="en-IN" dirty="0"/>
-            </a:br>
-            <a:r>
-              <a:rPr lang="en-IN" dirty="0"/>
-              <a:t>}</a:t>
-            </a:r>
-            <a:endParaRPr lang="en-US" dirty="0"/>
           </a:p>
         </p:txBody>
       </p:sp>
@@ -9121,7 +9049,310 @@
 </p:sld>
 </file>
 
-<file path=ppt/slides/slide16.xml><?xml version="1.0" encoding="utf-8"?>
+<file path=ppt/slides/slide17.xml><?xml version="1.0" encoding="utf-8"?>
+<p:sld xmlns:a="http://schemas.openxmlformats.org/drawingml/2006/main" xmlns:r="http://schemas.openxmlformats.org/officeDocument/2006/relationships" xmlns:p="http://schemas.openxmlformats.org/presentationml/2006/main">
+  <p:cSld>
+    <p:spTree>
+      <p:nvGrpSpPr>
+        <p:cNvPr id="1" name=""/>
+        <p:cNvGrpSpPr/>
+        <p:nvPr/>
+      </p:nvGrpSpPr>
+      <p:grpSpPr>
+        <a:xfrm>
+          <a:off x="0" y="0"/>
+          <a:ext cx="0" cy="0"/>
+          <a:chOff x="0" y="0"/>
+          <a:chExt cx="0" cy="0"/>
+        </a:xfrm>
+      </p:grpSpPr>
+      <p:sp>
+        <p:nvSpPr>
+          <p:cNvPr id="3" name="Content Placeholder 2">
+            <a:extLst>
+              <a:ext uri="{FF2B5EF4-FFF2-40B4-BE49-F238E27FC236}">
+                <a16:creationId xmlns:a16="http://schemas.microsoft.com/office/drawing/2014/main" id="{8264F53F-5657-2D40-B0B8-43F7BAED3620}"/>
+              </a:ext>
+            </a:extLst>
+          </p:cNvPr>
+          <p:cNvSpPr>
+            <a:spLocks noGrp="1"/>
+          </p:cNvSpPr>
+          <p:nvPr>
+            <p:ph idx="1"/>
+          </p:nvPr>
+        </p:nvSpPr>
+        <p:spPr>
+          <a:xfrm>
+            <a:off x="2589212" y="388620"/>
+            <a:ext cx="8915400" cy="5522602"/>
+          </a:xfrm>
+        </p:spPr>
+        <p:txBody>
+          <a:bodyPr>
+            <a:normAutofit fontScale="85000" lnSpcReduction="20000"/>
+          </a:bodyPr>
+          <a:lstStyle/>
+          <a:p>
+            <a:pPr marL="0" indent="0">
+              <a:buNone/>
+            </a:pPr>
+            <a:r>
+              <a:rPr lang="en-IN" b="1" dirty="0"/>
+              <a:t>Table</a:t>
+            </a:r>
+          </a:p>
+          <a:p>
+            <a:pPr marL="0" indent="0">
+              <a:buNone/>
+            </a:pPr>
+            <a:r>
+              <a:rPr lang="en-IN" dirty="0"/>
+              <a:t>@Entity(</a:t>
+            </a:r>
+            <a:r>
+              <a:rPr lang="en-IN" dirty="0" err="1"/>
+              <a:t>tableName</a:t>
+            </a:r>
+            <a:r>
+              <a:rPr lang="en-IN" dirty="0"/>
+              <a:t> = "user")</a:t>
+            </a:r>
+            <a:br>
+              <a:rPr lang="en-IN" dirty="0"/>
+            </a:br>
+            <a:r>
+              <a:rPr lang="en-IN" dirty="0"/>
+              <a:t>public class User {</a:t>
+            </a:r>
+            <a:br>
+              <a:rPr lang="en-IN" dirty="0"/>
+            </a:br>
+            <a:br>
+              <a:rPr lang="en-IN" dirty="0"/>
+            </a:br>
+            <a:r>
+              <a:rPr lang="en-IN" dirty="0"/>
+              <a:t>    @</a:t>
+            </a:r>
+            <a:r>
+              <a:rPr lang="en-IN" dirty="0" err="1"/>
+              <a:t>PrimaryKey</a:t>
+            </a:r>
+            <a:br>
+              <a:rPr lang="en-IN" dirty="0"/>
+            </a:br>
+            <a:r>
+              <a:rPr lang="en-IN" dirty="0"/>
+              <a:t>    @</a:t>
+            </a:r>
+            <a:r>
+              <a:rPr lang="en-IN" dirty="0" err="1"/>
+              <a:t>NonNull</a:t>
+            </a:r>
+            <a:br>
+              <a:rPr lang="en-IN" dirty="0"/>
+            </a:br>
+            <a:r>
+              <a:rPr lang="en-IN" dirty="0"/>
+              <a:t>    private String id;</a:t>
+            </a:r>
+          </a:p>
+          <a:p>
+            <a:pPr marL="0" indent="0">
+              <a:buNone/>
+            </a:pPr>
+            <a:r>
+              <a:rPr lang="en-IN" dirty="0"/>
+              <a:t>}</a:t>
+            </a:r>
+          </a:p>
+          <a:p>
+            <a:pPr marL="0" indent="0">
+              <a:buNone/>
+            </a:pPr>
+            <a:endParaRPr lang="en-IN" dirty="0"/>
+          </a:p>
+          <a:p>
+            <a:pPr marL="0" indent="0">
+              <a:buNone/>
+            </a:pPr>
+            <a:r>
+              <a:rPr lang="en-IN" b="1" dirty="0"/>
+              <a:t>DAO</a:t>
+            </a:r>
+          </a:p>
+          <a:p>
+            <a:pPr marL="0" indent="0">
+              <a:buNone/>
+            </a:pPr>
+            <a:r>
+              <a:rPr lang="en-IN" dirty="0"/>
+              <a:t>@Dao</a:t>
+            </a:r>
+            <a:br>
+              <a:rPr lang="en-IN" dirty="0"/>
+            </a:br>
+            <a:r>
+              <a:rPr lang="en-IN" dirty="0"/>
+              <a:t>public interface </a:t>
+            </a:r>
+            <a:r>
+              <a:rPr lang="en-IN" dirty="0" err="1"/>
+              <a:t>UserDao</a:t>
+            </a:r>
+            <a:r>
+              <a:rPr lang="en-IN" dirty="0"/>
+              <a:t> {</a:t>
+            </a:r>
+            <a:br>
+              <a:rPr lang="en-IN" dirty="0"/>
+            </a:br>
+            <a:br>
+              <a:rPr lang="en-IN" dirty="0"/>
+            </a:br>
+            <a:r>
+              <a:rPr lang="en-IN" dirty="0"/>
+              <a:t>    @Query("SELECT * FROM user")</a:t>
+            </a:r>
+            <a:br>
+              <a:rPr lang="en-IN" dirty="0"/>
+            </a:br>
+            <a:r>
+              <a:rPr lang="en-IN" dirty="0"/>
+              <a:t>    </a:t>
+            </a:r>
+            <a:r>
+              <a:rPr lang="en-IN" dirty="0" err="1"/>
+              <a:t>LiveData</a:t>
+            </a:r>
+            <a:r>
+              <a:rPr lang="en-IN" dirty="0"/>
+              <a:t>&lt;List&lt;User&gt;&gt; </a:t>
+            </a:r>
+            <a:r>
+              <a:rPr lang="en-IN" dirty="0" err="1"/>
+              <a:t>getUsers</a:t>
+            </a:r>
+            <a:r>
+              <a:rPr lang="en-IN" dirty="0"/>
+              <a:t>();</a:t>
+            </a:r>
+          </a:p>
+          <a:p>
+            <a:pPr marL="0" indent="0">
+              <a:buNone/>
+            </a:pPr>
+            <a:r>
+              <a:rPr lang="en-IN" dirty="0"/>
+              <a:t>}</a:t>
+            </a:r>
+          </a:p>
+          <a:p>
+            <a:pPr marL="0" indent="0">
+              <a:buNone/>
+            </a:pPr>
+            <a:endParaRPr lang="en-IN" dirty="0"/>
+          </a:p>
+          <a:p>
+            <a:pPr marL="0" indent="0">
+              <a:buNone/>
+            </a:pPr>
+            <a:r>
+              <a:rPr lang="en-IN" b="1" dirty="0"/>
+              <a:t>Database</a:t>
+            </a:r>
+          </a:p>
+          <a:p>
+            <a:pPr marL="0" indent="0">
+              <a:buNone/>
+            </a:pPr>
+            <a:r>
+              <a:rPr lang="en-IN" dirty="0"/>
+              <a:t>@Database(entities = {</a:t>
+            </a:r>
+            <a:r>
+              <a:rPr lang="en-IN" dirty="0" err="1"/>
+              <a:t>User.class</a:t>
+            </a:r>
+            <a:r>
+              <a:rPr lang="en-IN" dirty="0"/>
+              <a:t>}, version = 1)</a:t>
+            </a:r>
+            <a:br>
+              <a:rPr lang="en-IN" dirty="0"/>
+            </a:br>
+            <a:r>
+              <a:rPr lang="en-IN" dirty="0"/>
+              <a:t>public abstract class </a:t>
+            </a:r>
+            <a:r>
+              <a:rPr lang="en-IN" dirty="0" err="1"/>
+              <a:t>AppDatabase</a:t>
+            </a:r>
+            <a:r>
+              <a:rPr lang="en-IN" dirty="0"/>
+              <a:t> extends </a:t>
+            </a:r>
+            <a:r>
+              <a:rPr lang="en-IN" dirty="0" err="1"/>
+              <a:t>RoomDatabase</a:t>
+            </a:r>
+            <a:r>
+              <a:rPr lang="en-IN" dirty="0"/>
+              <a:t> {</a:t>
+            </a:r>
+            <a:br>
+              <a:rPr lang="en-IN" dirty="0"/>
+            </a:br>
+            <a:r>
+              <a:rPr lang="en-IN" dirty="0"/>
+              <a:t>    public abstract </a:t>
+            </a:r>
+            <a:r>
+              <a:rPr lang="en-IN" dirty="0" err="1"/>
+              <a:t>UserDao</a:t>
+            </a:r>
+            <a:r>
+              <a:rPr lang="en-IN" dirty="0"/>
+              <a:t> </a:t>
+            </a:r>
+            <a:r>
+              <a:rPr lang="en-IN" dirty="0" err="1"/>
+              <a:t>userDao</a:t>
+            </a:r>
+            <a:r>
+              <a:rPr lang="en-IN" dirty="0"/>
+              <a:t>();</a:t>
+            </a:r>
+            <a:br>
+              <a:rPr lang="en-IN" dirty="0"/>
+            </a:br>
+            <a:r>
+              <a:rPr lang="en-IN" dirty="0"/>
+              <a:t>}</a:t>
+            </a:r>
+            <a:endParaRPr lang="en-US" dirty="0"/>
+          </a:p>
+          <a:p>
+            <a:endParaRPr lang="en-US" dirty="0"/>
+          </a:p>
+        </p:txBody>
+      </p:sp>
+    </p:spTree>
+    <p:extLst>
+      <p:ext uri="{BB962C8B-B14F-4D97-AF65-F5344CB8AC3E}">
+        <p14:creationId xmlns:p14="http://schemas.microsoft.com/office/powerpoint/2010/main" val="1274716578"/>
+      </p:ext>
+    </p:extLst>
+  </p:cSld>
+  <p:clrMapOvr>
+    <a:masterClrMapping/>
+  </p:clrMapOvr>
+</p:sld>
+</file>
+
+<file path=ppt/slides/slide18.xml><?xml version="1.0" encoding="utf-8"?>
 <p:sld xmlns:a="http://schemas.openxmlformats.org/drawingml/2006/main" xmlns:r="http://schemas.openxmlformats.org/officeDocument/2006/relationships" xmlns:p="http://schemas.openxmlformats.org/presentationml/2006/main">
   <p:cSld>
     <p:spTree>
@@ -9208,7 +9439,7 @@
 </p:sld>
 </file>
 
-<file path=ppt/slides/slide17.xml><?xml version="1.0" encoding="utf-8"?>
+<file path=ppt/slides/slide19.xml><?xml version="1.0" encoding="utf-8"?>
 <p:sld xmlns:a="http://schemas.openxmlformats.org/drawingml/2006/main" xmlns:r="http://schemas.openxmlformats.org/officeDocument/2006/relationships" xmlns:p="http://schemas.openxmlformats.org/presentationml/2006/main">
   <p:cSld>
     <p:spTree>
@@ -9307,7 +9538,131 @@
 </p:sld>
 </file>
 
-<file path=ppt/slides/slide18.xml><?xml version="1.0" encoding="utf-8"?>
+<file path=ppt/slides/slide2.xml><?xml version="1.0" encoding="utf-8"?>
+<p:sld xmlns:a="http://schemas.openxmlformats.org/drawingml/2006/main" xmlns:r="http://schemas.openxmlformats.org/officeDocument/2006/relationships" xmlns:p="http://schemas.openxmlformats.org/presentationml/2006/main">
+  <p:cSld>
+    <p:spTree>
+      <p:nvGrpSpPr>
+        <p:cNvPr id="1" name=""/>
+        <p:cNvGrpSpPr/>
+        <p:nvPr/>
+      </p:nvGrpSpPr>
+      <p:grpSpPr>
+        <a:xfrm>
+          <a:off x="0" y="0"/>
+          <a:ext cx="0" cy="0"/>
+          <a:chOff x="0" y="0"/>
+          <a:chExt cx="0" cy="0"/>
+        </a:xfrm>
+      </p:grpSpPr>
+      <p:sp>
+        <p:nvSpPr>
+          <p:cNvPr id="2" name="Title 1">
+            <a:extLst>
+              <a:ext uri="{FF2B5EF4-FFF2-40B4-BE49-F238E27FC236}">
+                <a16:creationId xmlns:a16="http://schemas.microsoft.com/office/drawing/2014/main" id="{3E0AD3C1-51D9-BC40-B3BD-0E32954D7B04}"/>
+              </a:ext>
+            </a:extLst>
+          </p:cNvPr>
+          <p:cNvSpPr>
+            <a:spLocks noGrp="1"/>
+          </p:cNvSpPr>
+          <p:nvPr>
+            <p:ph type="title"/>
+          </p:nvPr>
+        </p:nvSpPr>
+        <p:spPr/>
+        <p:txBody>
+          <a:bodyPr/>
+          <a:lstStyle/>
+          <a:p>
+            <a:r>
+              <a:rPr lang="en-US" dirty="0"/>
+              <a:t>Jetpack ?</a:t>
+            </a:r>
+          </a:p>
+        </p:txBody>
+      </p:sp>
+      <p:sp>
+        <p:nvSpPr>
+          <p:cNvPr id="3" name="Content Placeholder 2">
+            <a:extLst>
+              <a:ext uri="{FF2B5EF4-FFF2-40B4-BE49-F238E27FC236}">
+                <a16:creationId xmlns:a16="http://schemas.microsoft.com/office/drawing/2014/main" id="{69D8A34C-3DFD-CB42-9AFE-E4C42777C6FF}"/>
+              </a:ext>
+            </a:extLst>
+          </p:cNvPr>
+          <p:cNvSpPr>
+            <a:spLocks noGrp="1"/>
+          </p:cNvSpPr>
+          <p:nvPr>
+            <p:ph idx="1"/>
+          </p:nvPr>
+        </p:nvSpPr>
+        <p:spPr/>
+        <p:txBody>
+          <a:bodyPr/>
+          <a:lstStyle/>
+          <a:p>
+            <a:r>
+              <a:rPr lang="en-IN" dirty="0"/>
+              <a:t>Jetpack is a collection of libraries.</a:t>
+            </a:r>
+          </a:p>
+          <a:p>
+            <a:endParaRPr lang="en-IN" dirty="0"/>
+          </a:p>
+          <a:p>
+            <a:r>
+              <a:rPr lang="en-IN" dirty="0"/>
+              <a:t>These components help you follow best practices, free you from writing boilerplate code.</a:t>
+            </a:r>
+          </a:p>
+          <a:p>
+            <a:endParaRPr lang="en-IN" dirty="0"/>
+          </a:p>
+          <a:p>
+            <a:r>
+              <a:rPr lang="en-IN" dirty="0"/>
+              <a:t>Jetpack comprises the </a:t>
+            </a:r>
+            <a:r>
+              <a:rPr lang="en-IN" dirty="0">
+                <a:hlinkClick r:id="rId2"/>
+              </a:rPr>
+              <a:t>androidx.*</a:t>
+            </a:r>
+            <a:r>
+              <a:rPr lang="en-IN" dirty="0"/>
+              <a:t> package libraries, unbundled from the platform APIs. </a:t>
+            </a:r>
+          </a:p>
+          <a:p>
+            <a:endParaRPr lang="en-IN" dirty="0"/>
+          </a:p>
+          <a:p>
+            <a:r>
+              <a:rPr lang="en-IN" dirty="0"/>
+              <a:t>Not mandatory, can mix and match.</a:t>
+            </a:r>
+            <a:endParaRPr lang="en-US" dirty="0"/>
+          </a:p>
+        </p:txBody>
+      </p:sp>
+    </p:spTree>
+    <p:extLst>
+      <p:ext uri="{BB962C8B-B14F-4D97-AF65-F5344CB8AC3E}">
+        <p14:creationId xmlns:p14="http://schemas.microsoft.com/office/powerpoint/2010/main" val="2616685921"/>
+      </p:ext>
+    </p:extLst>
+  </p:cSld>
+  <p:clrMapOvr>
+    <a:masterClrMapping/>
+  </p:clrMapOvr>
+</p:sld>
+</file>
+
+<file path=ppt/slides/slide20.xml><?xml version="1.0" encoding="utf-8"?>
 <p:sld xmlns:a="http://schemas.openxmlformats.org/drawingml/2006/main" xmlns:r="http://schemas.openxmlformats.org/officeDocument/2006/relationships" xmlns:p="http://schemas.openxmlformats.org/presentationml/2006/main">
   <p:cSld>
     <p:spTree>
@@ -9421,7 +9776,7 @@
 </p:sld>
 </file>
 
-<file path=ppt/slides/slide19.xml><?xml version="1.0" encoding="utf-8"?>
+<file path=ppt/slides/slide21.xml><?xml version="1.0" encoding="utf-8"?>
 <p:sld xmlns:a="http://schemas.openxmlformats.org/drawingml/2006/main" xmlns:r="http://schemas.openxmlformats.org/officeDocument/2006/relationships" xmlns:p="http://schemas.openxmlformats.org/presentationml/2006/main">
   <p:cSld>
     <p:spTree>
@@ -9538,130 +9893,6 @@
     <p:extLst>
       <p:ext uri="{BB962C8B-B14F-4D97-AF65-F5344CB8AC3E}">
         <p14:creationId xmlns:p14="http://schemas.microsoft.com/office/powerpoint/2010/main" val="911559277"/>
-      </p:ext>
-    </p:extLst>
-  </p:cSld>
-  <p:clrMapOvr>
-    <a:masterClrMapping/>
-  </p:clrMapOvr>
-</p:sld>
-</file>
-
-<file path=ppt/slides/slide2.xml><?xml version="1.0" encoding="utf-8"?>
-<p:sld xmlns:a="http://schemas.openxmlformats.org/drawingml/2006/main" xmlns:r="http://schemas.openxmlformats.org/officeDocument/2006/relationships" xmlns:p="http://schemas.openxmlformats.org/presentationml/2006/main">
-  <p:cSld>
-    <p:spTree>
-      <p:nvGrpSpPr>
-        <p:cNvPr id="1" name=""/>
-        <p:cNvGrpSpPr/>
-        <p:nvPr/>
-      </p:nvGrpSpPr>
-      <p:grpSpPr>
-        <a:xfrm>
-          <a:off x="0" y="0"/>
-          <a:ext cx="0" cy="0"/>
-          <a:chOff x="0" y="0"/>
-          <a:chExt cx="0" cy="0"/>
-        </a:xfrm>
-      </p:grpSpPr>
-      <p:sp>
-        <p:nvSpPr>
-          <p:cNvPr id="2" name="Title 1">
-            <a:extLst>
-              <a:ext uri="{FF2B5EF4-FFF2-40B4-BE49-F238E27FC236}">
-                <a16:creationId xmlns:a16="http://schemas.microsoft.com/office/drawing/2014/main" id="{3E0AD3C1-51D9-BC40-B3BD-0E32954D7B04}"/>
-              </a:ext>
-            </a:extLst>
-          </p:cNvPr>
-          <p:cNvSpPr>
-            <a:spLocks noGrp="1"/>
-          </p:cNvSpPr>
-          <p:nvPr>
-            <p:ph type="title"/>
-          </p:nvPr>
-        </p:nvSpPr>
-        <p:spPr/>
-        <p:txBody>
-          <a:bodyPr/>
-          <a:lstStyle/>
-          <a:p>
-            <a:r>
-              <a:rPr lang="en-US" dirty="0"/>
-              <a:t>Jetpack ?</a:t>
-            </a:r>
-          </a:p>
-        </p:txBody>
-      </p:sp>
-      <p:sp>
-        <p:nvSpPr>
-          <p:cNvPr id="3" name="Content Placeholder 2">
-            <a:extLst>
-              <a:ext uri="{FF2B5EF4-FFF2-40B4-BE49-F238E27FC236}">
-                <a16:creationId xmlns:a16="http://schemas.microsoft.com/office/drawing/2014/main" id="{69D8A34C-3DFD-CB42-9AFE-E4C42777C6FF}"/>
-              </a:ext>
-            </a:extLst>
-          </p:cNvPr>
-          <p:cNvSpPr>
-            <a:spLocks noGrp="1"/>
-          </p:cNvSpPr>
-          <p:nvPr>
-            <p:ph idx="1"/>
-          </p:nvPr>
-        </p:nvSpPr>
-        <p:spPr/>
-        <p:txBody>
-          <a:bodyPr/>
-          <a:lstStyle/>
-          <a:p>
-            <a:r>
-              <a:rPr lang="en-IN" dirty="0"/>
-              <a:t>Jetpack is a collection of libraries.</a:t>
-            </a:r>
-          </a:p>
-          <a:p>
-            <a:endParaRPr lang="en-IN" dirty="0"/>
-          </a:p>
-          <a:p>
-            <a:r>
-              <a:rPr lang="en-IN" dirty="0"/>
-              <a:t>These components help you follow best practices, free you from writing boilerplate code.</a:t>
-            </a:r>
-          </a:p>
-          <a:p>
-            <a:endParaRPr lang="en-IN" dirty="0"/>
-          </a:p>
-          <a:p>
-            <a:r>
-              <a:rPr lang="en-IN" dirty="0"/>
-              <a:t>Jetpack comprises the </a:t>
-            </a:r>
-            <a:r>
-              <a:rPr lang="en-IN" dirty="0">
-                <a:hlinkClick r:id="rId2"/>
-              </a:rPr>
-              <a:t>androidx.*</a:t>
-            </a:r>
-            <a:r>
-              <a:rPr lang="en-IN" dirty="0"/>
-              <a:t> package libraries, unbundled from the platform APIs. </a:t>
-            </a:r>
-          </a:p>
-          <a:p>
-            <a:endParaRPr lang="en-IN" dirty="0"/>
-          </a:p>
-          <a:p>
-            <a:r>
-              <a:rPr lang="en-IN" dirty="0"/>
-              <a:t>Not mandatory, can mix and match.</a:t>
-            </a:r>
-            <a:endParaRPr lang="en-US" dirty="0"/>
-          </a:p>
-        </p:txBody>
-      </p:sp>
-    </p:spTree>
-    <p:extLst>
-      <p:ext uri="{BB962C8B-B14F-4D97-AF65-F5344CB8AC3E}">
-        <p14:creationId xmlns:p14="http://schemas.microsoft.com/office/powerpoint/2010/main" val="2616685921"/>
       </p:ext>
     </p:extLst>
   </p:cSld>
@@ -9892,7 +10123,7 @@
             <a:pPr algn="ctr"/>
             <a:r>
               <a:rPr lang="en-US" dirty="0" err="1"/>
-              <a:t>Activity_userlist.xml</a:t>
+              <a:t>activity_userlist.xml</a:t>
             </a:r>
             <a:endParaRPr lang="en-US" dirty="0"/>
           </a:p>
@@ -10353,7 +10584,7 @@
             <a:pPr algn="ctr"/>
             <a:r>
               <a:rPr lang="en-US" dirty="0" err="1"/>
-              <a:t>Activity_userlist.xml</a:t>
+              <a:t>activity_userlist.xml</a:t>
             </a:r>
             <a:endParaRPr lang="en-US" dirty="0"/>
           </a:p>
@@ -11035,7 +11266,7 @@
             <a:pPr algn="ctr"/>
             <a:r>
               <a:rPr lang="en-US" dirty="0" err="1"/>
-              <a:t>Activity_userlist.xml</a:t>
+              <a:t>activity_userlist.xml</a:t>
             </a:r>
             <a:endParaRPr lang="en-US" dirty="0"/>
           </a:p>
